--- a/ppt/chapter 9.pptx
+++ b/ppt/chapter 9.pptx
@@ -4,12 +4,22 @@
   <p:sldMasterIdLst>
     <p:sldMasterId id="2147483708" r:id="rId1"/>
   </p:sldMasterIdLst>
+  <p:notesMasterIdLst>
+    <p:notesMasterId r:id="rId14"/>
+  </p:notesMasterIdLst>
   <p:sldIdLst>
     <p:sldId id="257" r:id="rId2"/>
     <p:sldId id="258" r:id="rId3"/>
     <p:sldId id="259" r:id="rId4"/>
     <p:sldId id="260" r:id="rId5"/>
     <p:sldId id="261" r:id="rId6"/>
+    <p:sldId id="262" r:id="rId7"/>
+    <p:sldId id="264" r:id="rId8"/>
+    <p:sldId id="263" r:id="rId9"/>
+    <p:sldId id="265" r:id="rId10"/>
+    <p:sldId id="266" r:id="rId11"/>
+    <p:sldId id="267" r:id="rId12"/>
+    <p:sldId id="268" r:id="rId13"/>
   </p:sldIdLst>
   <p:sldSz cx="12192000" cy="6858000"/>
   <p:notesSz cx="6858000" cy="9144000"/>
@@ -114,6 +124,440 @@
     </p:ext>
   </p:extLst>
 </p:presentation>
+</file>
+
+<file path=ppt/notesMasters/notesMaster1.xml><?xml version="1.0" encoding="utf-8"?>
+<p:notesMaster xmlns:a="http://schemas.openxmlformats.org/drawingml/2006/main" xmlns:r="http://schemas.openxmlformats.org/officeDocument/2006/relationships" xmlns:p="http://schemas.openxmlformats.org/presentationml/2006/main">
+  <p:cSld>
+    <p:bg>
+      <p:bgRef idx="1001">
+        <a:schemeClr val="bg1"/>
+      </p:bgRef>
+    </p:bg>
+    <p:spTree>
+      <p:nvGrpSpPr>
+        <p:cNvPr id="1" name=""/>
+        <p:cNvGrpSpPr/>
+        <p:nvPr/>
+      </p:nvGrpSpPr>
+      <p:grpSpPr>
+        <a:xfrm>
+          <a:off x="0" y="0"/>
+          <a:ext cx="0" cy="0"/>
+          <a:chOff x="0" y="0"/>
+          <a:chExt cx="0" cy="0"/>
+        </a:xfrm>
+      </p:grpSpPr>
+      <p:sp>
+        <p:nvSpPr>
+          <p:cNvPr id="2" name="页眉占位符 1"/>
+          <p:cNvSpPr>
+            <a:spLocks noGrp="1"/>
+          </p:cNvSpPr>
+          <p:nvPr>
+            <p:ph type="hdr" sz="quarter"/>
+          </p:nvPr>
+        </p:nvSpPr>
+        <p:spPr>
+          <a:xfrm>
+            <a:off x="0" y="0"/>
+            <a:ext cx="2971800" cy="458788"/>
+          </a:xfrm>
+          <a:prstGeom prst="rect">
+            <a:avLst/>
+          </a:prstGeom>
+        </p:spPr>
+        <p:txBody>
+          <a:bodyPr vert="horz" lIns="91440" tIns="45720" rIns="91440" bIns="45720" rtlCol="0"/>
+          <a:lstStyle>
+            <a:lvl1pPr algn="l">
+              <a:defRPr sz="1200"/>
+            </a:lvl1pPr>
+          </a:lstStyle>
+          <a:p>
+            <a:endParaRPr lang="zh-CN" altLang="en-US"/>
+          </a:p>
+        </p:txBody>
+      </p:sp>
+      <p:sp>
+        <p:nvSpPr>
+          <p:cNvPr id="3" name="日期占位符 2"/>
+          <p:cNvSpPr>
+            <a:spLocks noGrp="1"/>
+          </p:cNvSpPr>
+          <p:nvPr>
+            <p:ph type="dt" idx="1"/>
+          </p:nvPr>
+        </p:nvSpPr>
+        <p:spPr>
+          <a:xfrm>
+            <a:off x="3884613" y="0"/>
+            <a:ext cx="2971800" cy="458788"/>
+          </a:xfrm>
+          <a:prstGeom prst="rect">
+            <a:avLst/>
+          </a:prstGeom>
+        </p:spPr>
+        <p:txBody>
+          <a:bodyPr vert="horz" lIns="91440" tIns="45720" rIns="91440" bIns="45720" rtlCol="0"/>
+          <a:lstStyle>
+            <a:lvl1pPr algn="r">
+              <a:defRPr sz="1200"/>
+            </a:lvl1pPr>
+          </a:lstStyle>
+          <a:p>
+            <a:fld id="{ED78F42D-A2E7-4645-A173-F2A6052EE8CC}" type="datetimeFigureOut">
+              <a:rPr lang="zh-CN" altLang="en-US" smtClean="0"/>
+              <a:t>2018/5/14</a:t>
+            </a:fld>
+            <a:endParaRPr lang="zh-CN" altLang="en-US"/>
+          </a:p>
+        </p:txBody>
+      </p:sp>
+      <p:sp>
+        <p:nvSpPr>
+          <p:cNvPr id="4" name="幻灯片图像占位符 3"/>
+          <p:cNvSpPr>
+            <a:spLocks noGrp="1" noRot="1" noChangeAspect="1"/>
+          </p:cNvSpPr>
+          <p:nvPr>
+            <p:ph type="sldImg" idx="2"/>
+          </p:nvPr>
+        </p:nvSpPr>
+        <p:spPr>
+          <a:xfrm>
+            <a:off x="685800" y="1143000"/>
+            <a:ext cx="5486400" cy="3086100"/>
+          </a:xfrm>
+          <a:prstGeom prst="rect">
+            <a:avLst/>
+          </a:prstGeom>
+          <a:noFill/>
+          <a:ln w="12700">
+            <a:solidFill>
+              <a:prstClr val="black"/>
+            </a:solidFill>
+          </a:ln>
+        </p:spPr>
+        <p:txBody>
+          <a:bodyPr vert="horz" lIns="91440" tIns="45720" rIns="91440" bIns="45720" rtlCol="0" anchor="ctr"/>
+          <a:lstStyle/>
+          <a:p>
+            <a:endParaRPr lang="zh-CN" altLang="en-US"/>
+          </a:p>
+        </p:txBody>
+      </p:sp>
+      <p:sp>
+        <p:nvSpPr>
+          <p:cNvPr id="5" name="备注占位符 4"/>
+          <p:cNvSpPr>
+            <a:spLocks noGrp="1"/>
+          </p:cNvSpPr>
+          <p:nvPr>
+            <p:ph type="body" sz="quarter" idx="3"/>
+          </p:nvPr>
+        </p:nvSpPr>
+        <p:spPr>
+          <a:xfrm>
+            <a:off x="685800" y="4400550"/>
+            <a:ext cx="5486400" cy="3600450"/>
+          </a:xfrm>
+          <a:prstGeom prst="rect">
+            <a:avLst/>
+          </a:prstGeom>
+        </p:spPr>
+        <p:txBody>
+          <a:bodyPr vert="horz" lIns="91440" tIns="45720" rIns="91440" bIns="45720" rtlCol="0"/>
+          <a:lstStyle/>
+          <a:p>
+            <a:pPr lvl="0"/>
+            <a:r>
+              <a:rPr lang="zh-CN" altLang="en-US" smtClean="0"/>
+              <a:t>编辑母版文本样式</a:t>
+            </a:r>
+          </a:p>
+          <a:p>
+            <a:pPr lvl="1"/>
+            <a:r>
+              <a:rPr lang="zh-CN" altLang="en-US" smtClean="0"/>
+              <a:t>第二级</a:t>
+            </a:r>
+          </a:p>
+          <a:p>
+            <a:pPr lvl="2"/>
+            <a:r>
+              <a:rPr lang="zh-CN" altLang="en-US" smtClean="0"/>
+              <a:t>第三级</a:t>
+            </a:r>
+          </a:p>
+          <a:p>
+            <a:pPr lvl="3"/>
+            <a:r>
+              <a:rPr lang="zh-CN" altLang="en-US" smtClean="0"/>
+              <a:t>第四级</a:t>
+            </a:r>
+          </a:p>
+          <a:p>
+            <a:pPr lvl="4"/>
+            <a:r>
+              <a:rPr lang="zh-CN" altLang="en-US" smtClean="0"/>
+              <a:t>第五级</a:t>
+            </a:r>
+            <a:endParaRPr lang="zh-CN" altLang="en-US"/>
+          </a:p>
+        </p:txBody>
+      </p:sp>
+      <p:sp>
+        <p:nvSpPr>
+          <p:cNvPr id="6" name="页脚占位符 5"/>
+          <p:cNvSpPr>
+            <a:spLocks noGrp="1"/>
+          </p:cNvSpPr>
+          <p:nvPr>
+            <p:ph type="ftr" sz="quarter" idx="4"/>
+          </p:nvPr>
+        </p:nvSpPr>
+        <p:spPr>
+          <a:xfrm>
+            <a:off x="0" y="8685213"/>
+            <a:ext cx="2971800" cy="458787"/>
+          </a:xfrm>
+          <a:prstGeom prst="rect">
+            <a:avLst/>
+          </a:prstGeom>
+        </p:spPr>
+        <p:txBody>
+          <a:bodyPr vert="horz" lIns="91440" tIns="45720" rIns="91440" bIns="45720" rtlCol="0" anchor="b"/>
+          <a:lstStyle>
+            <a:lvl1pPr algn="l">
+              <a:defRPr sz="1200"/>
+            </a:lvl1pPr>
+          </a:lstStyle>
+          <a:p>
+            <a:endParaRPr lang="zh-CN" altLang="en-US"/>
+          </a:p>
+        </p:txBody>
+      </p:sp>
+      <p:sp>
+        <p:nvSpPr>
+          <p:cNvPr id="7" name="灯片编号占位符 6"/>
+          <p:cNvSpPr>
+            <a:spLocks noGrp="1"/>
+          </p:cNvSpPr>
+          <p:nvPr>
+            <p:ph type="sldNum" sz="quarter" idx="5"/>
+          </p:nvPr>
+        </p:nvSpPr>
+        <p:spPr>
+          <a:xfrm>
+            <a:off x="3884613" y="8685213"/>
+            <a:ext cx="2971800" cy="458787"/>
+          </a:xfrm>
+          <a:prstGeom prst="rect">
+            <a:avLst/>
+          </a:prstGeom>
+        </p:spPr>
+        <p:txBody>
+          <a:bodyPr vert="horz" lIns="91440" tIns="45720" rIns="91440" bIns="45720" rtlCol="0" anchor="b"/>
+          <a:lstStyle>
+            <a:lvl1pPr algn="r">
+              <a:defRPr sz="1200"/>
+            </a:lvl1pPr>
+          </a:lstStyle>
+          <a:p>
+            <a:fld id="{EAF24EE6-5D7A-4B9A-805B-CA55EF3D5643}" type="slidenum">
+              <a:rPr lang="zh-CN" altLang="en-US" smtClean="0"/>
+              <a:t>‹#›</a:t>
+            </a:fld>
+            <a:endParaRPr lang="zh-CN" altLang="en-US"/>
+          </a:p>
+        </p:txBody>
+      </p:sp>
+    </p:spTree>
+    <p:extLst>
+      <p:ext uri="{BB962C8B-B14F-4D97-AF65-F5344CB8AC3E}">
+        <p14:creationId xmlns:p14="http://schemas.microsoft.com/office/powerpoint/2010/main" val="1220531136"/>
+      </p:ext>
+    </p:extLst>
+  </p:cSld>
+  <p:clrMap bg1="lt1" tx1="dk1" bg2="lt2" tx2="dk2" accent1="accent1" accent2="accent2" accent3="accent3" accent4="accent4" accent5="accent5" accent6="accent6" hlink="hlink" folHlink="folHlink"/>
+  <p:notesStyle>
+    <a:lvl1pPr marL="0" algn="l" defTabSz="914400" rtl="0" eaLnBrk="1" latinLnBrk="0" hangingPunct="1">
+      <a:defRPr sz="1200" kern="1200">
+        <a:solidFill>
+          <a:schemeClr val="tx1"/>
+        </a:solidFill>
+        <a:latin typeface="+mn-lt"/>
+        <a:ea typeface="+mn-ea"/>
+        <a:cs typeface="+mn-cs"/>
+      </a:defRPr>
+    </a:lvl1pPr>
+    <a:lvl2pPr marL="457200" algn="l" defTabSz="914400" rtl="0" eaLnBrk="1" latinLnBrk="0" hangingPunct="1">
+      <a:defRPr sz="1200" kern="1200">
+        <a:solidFill>
+          <a:schemeClr val="tx1"/>
+        </a:solidFill>
+        <a:latin typeface="+mn-lt"/>
+        <a:ea typeface="+mn-ea"/>
+        <a:cs typeface="+mn-cs"/>
+      </a:defRPr>
+    </a:lvl2pPr>
+    <a:lvl3pPr marL="914400" algn="l" defTabSz="914400" rtl="0" eaLnBrk="1" latinLnBrk="0" hangingPunct="1">
+      <a:defRPr sz="1200" kern="1200">
+        <a:solidFill>
+          <a:schemeClr val="tx1"/>
+        </a:solidFill>
+        <a:latin typeface="+mn-lt"/>
+        <a:ea typeface="+mn-ea"/>
+        <a:cs typeface="+mn-cs"/>
+      </a:defRPr>
+    </a:lvl3pPr>
+    <a:lvl4pPr marL="1371600" algn="l" defTabSz="914400" rtl="0" eaLnBrk="1" latinLnBrk="0" hangingPunct="1">
+      <a:defRPr sz="1200" kern="1200">
+        <a:solidFill>
+          <a:schemeClr val="tx1"/>
+        </a:solidFill>
+        <a:latin typeface="+mn-lt"/>
+        <a:ea typeface="+mn-ea"/>
+        <a:cs typeface="+mn-cs"/>
+      </a:defRPr>
+    </a:lvl4pPr>
+    <a:lvl5pPr marL="1828800" algn="l" defTabSz="914400" rtl="0" eaLnBrk="1" latinLnBrk="0" hangingPunct="1">
+      <a:defRPr sz="1200" kern="1200">
+        <a:solidFill>
+          <a:schemeClr val="tx1"/>
+        </a:solidFill>
+        <a:latin typeface="+mn-lt"/>
+        <a:ea typeface="+mn-ea"/>
+        <a:cs typeface="+mn-cs"/>
+      </a:defRPr>
+    </a:lvl5pPr>
+    <a:lvl6pPr marL="2286000" algn="l" defTabSz="914400" rtl="0" eaLnBrk="1" latinLnBrk="0" hangingPunct="1">
+      <a:defRPr sz="1200" kern="1200">
+        <a:solidFill>
+          <a:schemeClr val="tx1"/>
+        </a:solidFill>
+        <a:latin typeface="+mn-lt"/>
+        <a:ea typeface="+mn-ea"/>
+        <a:cs typeface="+mn-cs"/>
+      </a:defRPr>
+    </a:lvl6pPr>
+    <a:lvl7pPr marL="2743200" algn="l" defTabSz="914400" rtl="0" eaLnBrk="1" latinLnBrk="0" hangingPunct="1">
+      <a:defRPr sz="1200" kern="1200">
+        <a:solidFill>
+          <a:schemeClr val="tx1"/>
+        </a:solidFill>
+        <a:latin typeface="+mn-lt"/>
+        <a:ea typeface="+mn-ea"/>
+        <a:cs typeface="+mn-cs"/>
+      </a:defRPr>
+    </a:lvl7pPr>
+    <a:lvl8pPr marL="3200400" algn="l" defTabSz="914400" rtl="0" eaLnBrk="1" latinLnBrk="0" hangingPunct="1">
+      <a:defRPr sz="1200" kern="1200">
+        <a:solidFill>
+          <a:schemeClr val="tx1"/>
+        </a:solidFill>
+        <a:latin typeface="+mn-lt"/>
+        <a:ea typeface="+mn-ea"/>
+        <a:cs typeface="+mn-cs"/>
+      </a:defRPr>
+    </a:lvl8pPr>
+    <a:lvl9pPr marL="3657600" algn="l" defTabSz="914400" rtl="0" eaLnBrk="1" latinLnBrk="0" hangingPunct="1">
+      <a:defRPr sz="1200" kern="1200">
+        <a:solidFill>
+          <a:schemeClr val="tx1"/>
+        </a:solidFill>
+        <a:latin typeface="+mn-lt"/>
+        <a:ea typeface="+mn-ea"/>
+        <a:cs typeface="+mn-cs"/>
+      </a:defRPr>
+    </a:lvl9pPr>
+  </p:notesStyle>
+</p:notesMaster>
+</file>
+
+<file path=ppt/notesSlides/notesSlide1.xml><?xml version="1.0" encoding="utf-8"?>
+<p:notes xmlns:a="http://schemas.openxmlformats.org/drawingml/2006/main" xmlns:r="http://schemas.openxmlformats.org/officeDocument/2006/relationships" xmlns:p="http://schemas.openxmlformats.org/presentationml/2006/main">
+  <p:cSld>
+    <p:spTree>
+      <p:nvGrpSpPr>
+        <p:cNvPr id="1" name=""/>
+        <p:cNvGrpSpPr/>
+        <p:nvPr/>
+      </p:nvGrpSpPr>
+      <p:grpSpPr>
+        <a:xfrm>
+          <a:off x="0" y="0"/>
+          <a:ext cx="0" cy="0"/>
+          <a:chOff x="0" y="0"/>
+          <a:chExt cx="0" cy="0"/>
+        </a:xfrm>
+      </p:grpSpPr>
+      <p:sp>
+        <p:nvSpPr>
+          <p:cNvPr id="2" name="幻灯片图像占位符 1"/>
+          <p:cNvSpPr>
+            <a:spLocks noGrp="1" noRot="1" noChangeAspect="1"/>
+          </p:cNvSpPr>
+          <p:nvPr>
+            <p:ph type="sldImg"/>
+          </p:nvPr>
+        </p:nvSpPr>
+        <p:spPr/>
+      </p:sp>
+      <p:sp>
+        <p:nvSpPr>
+          <p:cNvPr id="3" name="备注占位符 2"/>
+          <p:cNvSpPr>
+            <a:spLocks noGrp="1"/>
+          </p:cNvSpPr>
+          <p:nvPr>
+            <p:ph type="body" idx="1"/>
+          </p:nvPr>
+        </p:nvSpPr>
+        <p:spPr/>
+        <p:txBody>
+          <a:bodyPr/>
+          <a:lstStyle/>
+          <a:p>
+            <a:endParaRPr lang="zh-CN" altLang="en-US" dirty="0"/>
+          </a:p>
+        </p:txBody>
+      </p:sp>
+      <p:sp>
+        <p:nvSpPr>
+          <p:cNvPr id="4" name="灯片编号占位符 3"/>
+          <p:cNvSpPr>
+            <a:spLocks noGrp="1"/>
+          </p:cNvSpPr>
+          <p:nvPr>
+            <p:ph type="sldNum" sz="quarter" idx="10"/>
+          </p:nvPr>
+        </p:nvSpPr>
+        <p:spPr/>
+        <p:txBody>
+          <a:bodyPr/>
+          <a:lstStyle/>
+          <a:p>
+            <a:fld id="{EAF24EE6-5D7A-4B9A-805B-CA55EF3D5643}" type="slidenum">
+              <a:rPr lang="zh-CN" altLang="en-US" smtClean="0"/>
+              <a:t>10</a:t>
+            </a:fld>
+            <a:endParaRPr lang="zh-CN" altLang="en-US"/>
+          </a:p>
+        </p:txBody>
+      </p:sp>
+    </p:spTree>
+    <p:extLst>
+      <p:ext uri="{BB962C8B-B14F-4D97-AF65-F5344CB8AC3E}">
+        <p14:creationId xmlns:p14="http://schemas.microsoft.com/office/powerpoint/2010/main" val="1665708504"/>
+      </p:ext>
+    </p:extLst>
+  </p:cSld>
+  <p:clrMapOvr>
+    <a:masterClrMapping/>
+  </p:clrMapOvr>
+</p:notes>
 </file>
 
 <file path=ppt/slideLayouts/slideLayout1.xml><?xml version="1.0" encoding="utf-8"?>
@@ -3821,6 +4265,849 @@
 </p:sld>
 </file>
 
+<file path=ppt/slides/slide10.xml><?xml version="1.0" encoding="utf-8"?>
+<p:sld xmlns:a="http://schemas.openxmlformats.org/drawingml/2006/main" xmlns:r="http://schemas.openxmlformats.org/officeDocument/2006/relationships" xmlns:p="http://schemas.openxmlformats.org/presentationml/2006/main">
+  <p:cSld>
+    <p:spTree>
+      <p:nvGrpSpPr>
+        <p:cNvPr id="1" name=""/>
+        <p:cNvGrpSpPr/>
+        <p:nvPr/>
+      </p:nvGrpSpPr>
+      <p:grpSpPr>
+        <a:xfrm>
+          <a:off x="0" y="0"/>
+          <a:ext cx="0" cy="0"/>
+          <a:chOff x="0" y="0"/>
+          <a:chExt cx="0" cy="0"/>
+        </a:xfrm>
+      </p:grpSpPr>
+      <p:sp>
+        <p:nvSpPr>
+          <p:cNvPr id="2" name="标题 1"/>
+          <p:cNvSpPr>
+            <a:spLocks noGrp="1"/>
+          </p:cNvSpPr>
+          <p:nvPr>
+            <p:ph type="title"/>
+          </p:nvPr>
+        </p:nvSpPr>
+        <p:spPr/>
+        <p:txBody>
+          <a:bodyPr/>
+          <a:lstStyle/>
+          <a:p>
+            <a:r>
+              <a:rPr lang="en-US" altLang="zh-CN" b="1" dirty="0"/>
+              <a:t>A Dynamic Array</a:t>
+            </a:r>
+            <a:endParaRPr lang="zh-CN" altLang="en-US" dirty="0"/>
+          </a:p>
+        </p:txBody>
+      </p:sp>
+      <p:sp>
+        <p:nvSpPr>
+          <p:cNvPr id="3" name="内容占位符 2"/>
+          <p:cNvSpPr>
+            <a:spLocks noGrp="1"/>
+          </p:cNvSpPr>
+          <p:nvPr>
+            <p:ph idx="1"/>
+          </p:nvPr>
+        </p:nvSpPr>
+        <p:spPr/>
+        <p:txBody>
+          <a:bodyPr/>
+          <a:lstStyle/>
+          <a:p>
+            <a:pPr marL="0" indent="0">
+              <a:buNone/>
+            </a:pPr>
+            <a:r>
+              <a:rPr lang="en-US" altLang="zh-CN" sz="4800" dirty="0" err="1" smtClean="0">
+                <a:solidFill>
+                  <a:srgbClr val="0000FF"/>
+                </a:solidFill>
+                <a:ea typeface="宋体" panose="02010600030101010101" pitchFamily="2" charset="-122"/>
+              </a:rPr>
+              <a:t>int</a:t>
+            </a:r>
+            <a:r>
+              <a:rPr lang="en-US" altLang="zh-CN" sz="4800" dirty="0" smtClean="0">
+                <a:solidFill>
+                  <a:srgbClr val="0000FF"/>
+                </a:solidFill>
+                <a:ea typeface="宋体" panose="02010600030101010101" pitchFamily="2" charset="-122"/>
+              </a:rPr>
+              <a:t> </a:t>
+            </a:r>
+            <a:r>
+              <a:rPr lang="en-US" altLang="zh-CN" sz="4800" dirty="0">
+                <a:solidFill>
+                  <a:srgbClr val="0000FF"/>
+                </a:solidFill>
+                <a:ea typeface="宋体" panose="02010600030101010101" pitchFamily="2" charset="-122"/>
+              </a:rPr>
+              <a:t>* </a:t>
+            </a:r>
+            <a:r>
+              <a:rPr lang="en-US" altLang="zh-CN" sz="4800" dirty="0">
+                <a:solidFill>
+                  <a:srgbClr val="0000FF"/>
+                </a:solidFill>
+                <a:ea typeface="宋体" panose="02010600030101010101" pitchFamily="2" charset="-122"/>
+              </a:rPr>
+              <a:t>a = new </a:t>
+            </a:r>
+            <a:r>
+              <a:rPr lang="en-US" altLang="zh-CN" sz="4800" dirty="0" err="1">
+                <a:solidFill>
+                  <a:srgbClr val="0000FF"/>
+                </a:solidFill>
+                <a:ea typeface="宋体" panose="02010600030101010101" pitchFamily="2" charset="-122"/>
+              </a:rPr>
+              <a:t>int</a:t>
+            </a:r>
+            <a:r>
+              <a:rPr lang="en-US" altLang="zh-CN" sz="4800" dirty="0">
+                <a:solidFill>
+                  <a:srgbClr val="0000FF"/>
+                </a:solidFill>
+                <a:ea typeface="宋体" panose="02010600030101010101" pitchFamily="2" charset="-122"/>
+              </a:rPr>
+              <a:t>[</a:t>
+            </a:r>
+            <a:r>
+              <a:rPr lang="en-US" altLang="zh-CN" sz="4800" dirty="0" err="1">
+                <a:solidFill>
+                  <a:srgbClr val="0000FF"/>
+                </a:solidFill>
+                <a:ea typeface="宋体" panose="02010600030101010101" pitchFamily="2" charset="-122"/>
+              </a:rPr>
+              <a:t>array_size</a:t>
+            </a:r>
+            <a:r>
+              <a:rPr lang="en-US" altLang="zh-CN" sz="4800" dirty="0">
+                <a:solidFill>
+                  <a:srgbClr val="0000FF"/>
+                </a:solidFill>
+                <a:ea typeface="宋体" panose="02010600030101010101" pitchFamily="2" charset="-122"/>
+              </a:rPr>
+              <a:t>];</a:t>
+            </a:r>
+          </a:p>
+          <a:p>
+            <a:pPr marL="0" indent="0">
+              <a:buNone/>
+            </a:pPr>
+            <a:endParaRPr lang="en-US" altLang="zh-CN" sz="4800" dirty="0">
+              <a:solidFill>
+                <a:srgbClr val="0000FF"/>
+              </a:solidFill>
+              <a:ea typeface="宋体" panose="02010600030101010101" pitchFamily="2" charset="-122"/>
+            </a:endParaRPr>
+          </a:p>
+          <a:p>
+            <a:pPr marL="0" indent="0">
+              <a:buNone/>
+            </a:pPr>
+            <a:r>
+              <a:rPr lang="en-US" altLang="zh-CN" sz="4800" dirty="0">
+                <a:solidFill>
+                  <a:srgbClr val="0000FF"/>
+                </a:solidFill>
+                <a:ea typeface="宋体" panose="02010600030101010101" pitchFamily="2" charset="-122"/>
+              </a:rPr>
+              <a:t>	……</a:t>
+            </a:r>
+          </a:p>
+          <a:p>
+            <a:pPr marL="0" indent="0">
+              <a:buNone/>
+            </a:pPr>
+            <a:endParaRPr lang="en-US" altLang="zh-CN" sz="4800" dirty="0">
+              <a:solidFill>
+                <a:srgbClr val="0000FF"/>
+              </a:solidFill>
+              <a:ea typeface="宋体" panose="02010600030101010101" pitchFamily="2" charset="-122"/>
+            </a:endParaRPr>
+          </a:p>
+          <a:p>
+            <a:pPr marL="0" indent="0">
+              <a:buNone/>
+            </a:pPr>
+            <a:r>
+              <a:rPr lang="en-US" altLang="zh-CN" sz="4800" dirty="0">
+                <a:solidFill>
+                  <a:srgbClr val="0000FF"/>
+                </a:solidFill>
+                <a:ea typeface="宋体" panose="02010600030101010101" pitchFamily="2" charset="-122"/>
+              </a:rPr>
+              <a:t>delete [] a;</a:t>
+            </a:r>
+            <a:endParaRPr lang="zh-CN" altLang="en-US" sz="4800" dirty="0">
+              <a:solidFill>
+                <a:srgbClr val="0000FF"/>
+              </a:solidFill>
+              <a:ea typeface="宋体" panose="02010600030101010101" pitchFamily="2" charset="-122"/>
+            </a:endParaRPr>
+          </a:p>
+        </p:txBody>
+      </p:sp>
+    </p:spTree>
+    <p:extLst>
+      <p:ext uri="{BB962C8B-B14F-4D97-AF65-F5344CB8AC3E}">
+        <p14:creationId xmlns:p14="http://schemas.microsoft.com/office/powerpoint/2010/main" val="3547845231"/>
+      </p:ext>
+    </p:extLst>
+  </p:cSld>
+  <p:clrMapOvr>
+    <a:masterClrMapping/>
+  </p:clrMapOvr>
+  <p:transition spd="med"/>
+</p:sld>
+</file>
+
+<file path=ppt/slides/slide11.xml><?xml version="1.0" encoding="utf-8"?>
+<p:sld xmlns:a="http://schemas.openxmlformats.org/drawingml/2006/main" xmlns:r="http://schemas.openxmlformats.org/officeDocument/2006/relationships" xmlns:p="http://schemas.openxmlformats.org/presentationml/2006/main">
+  <p:cSld>
+    <p:spTree>
+      <p:nvGrpSpPr>
+        <p:cNvPr id="1" name=""/>
+        <p:cNvGrpSpPr/>
+        <p:nvPr/>
+      </p:nvGrpSpPr>
+      <p:grpSpPr>
+        <a:xfrm>
+          <a:off x="0" y="0"/>
+          <a:ext cx="0" cy="0"/>
+          <a:chOff x="0" y="0"/>
+          <a:chExt cx="0" cy="0"/>
+        </a:xfrm>
+      </p:grpSpPr>
+      <p:sp>
+        <p:nvSpPr>
+          <p:cNvPr id="2" name="标题 1"/>
+          <p:cNvSpPr>
+            <a:spLocks noGrp="1"/>
+          </p:cNvSpPr>
+          <p:nvPr>
+            <p:ph type="title"/>
+          </p:nvPr>
+        </p:nvSpPr>
+        <p:spPr/>
+        <p:txBody>
+          <a:bodyPr/>
+          <a:lstStyle/>
+          <a:p>
+            <a:r>
+              <a:rPr lang="en-US" altLang="zh-CN" b="1" dirty="0"/>
+              <a:t>EXERCISES</a:t>
+            </a:r>
+            <a:endParaRPr lang="zh-CN" altLang="en-US" dirty="0"/>
+          </a:p>
+        </p:txBody>
+      </p:sp>
+      <p:sp>
+        <p:nvSpPr>
+          <p:cNvPr id="3" name="内容占位符 2"/>
+          <p:cNvSpPr>
+            <a:spLocks noGrp="1"/>
+          </p:cNvSpPr>
+          <p:nvPr>
+            <p:ph idx="1"/>
+          </p:nvPr>
+        </p:nvSpPr>
+        <p:spPr>
+          <a:xfrm>
+            <a:off x="726017" y="1624149"/>
+            <a:ext cx="11059583" cy="4572000"/>
+          </a:xfrm>
+        </p:spPr>
+        <p:txBody>
+          <a:bodyPr/>
+          <a:lstStyle/>
+          <a:p>
+            <a:r>
+              <a:rPr lang="en-US" altLang="zh-CN" sz="2400" dirty="0"/>
+              <a:t>15. What is the output of the following code fragment? The code is </a:t>
+            </a:r>
+            <a:r>
+              <a:rPr lang="en-US" altLang="zh-CN" sz="2400" dirty="0" smtClean="0"/>
+              <a:t>assumed to </a:t>
+            </a:r>
+            <a:r>
+              <a:rPr lang="en-US" altLang="zh-CN" sz="2400" dirty="0"/>
+              <a:t>be embedded in a correct and complete program.</a:t>
+            </a:r>
+          </a:p>
+          <a:p>
+            <a:pPr marL="0" indent="0">
+              <a:buNone/>
+            </a:pPr>
+            <a:r>
+              <a:rPr lang="en-US" altLang="zh-CN" sz="1600" dirty="0" err="1">
+                <a:solidFill>
+                  <a:srgbClr val="0000FF"/>
+                </a:solidFill>
+                <a:ea typeface="宋体" panose="02010600030101010101" pitchFamily="2" charset="-122"/>
+              </a:rPr>
+              <a:t>int</a:t>
+            </a:r>
+            <a:r>
+              <a:rPr lang="en-US" altLang="zh-CN" sz="1600" dirty="0">
+                <a:solidFill>
+                  <a:srgbClr val="0000FF"/>
+                </a:solidFill>
+                <a:ea typeface="宋体" panose="02010600030101010101" pitchFamily="2" charset="-122"/>
+              </a:rPr>
+              <a:t> </a:t>
+            </a:r>
+            <a:r>
+              <a:rPr lang="en-US" altLang="zh-CN" sz="1600" dirty="0" err="1">
+                <a:solidFill>
+                  <a:srgbClr val="0000FF"/>
+                </a:solidFill>
+                <a:ea typeface="宋体" panose="02010600030101010101" pitchFamily="2" charset="-122"/>
+              </a:rPr>
+              <a:t>array_size</a:t>
+            </a:r>
+            <a:r>
+              <a:rPr lang="en-US" altLang="zh-CN" sz="1600" dirty="0">
+                <a:solidFill>
+                  <a:srgbClr val="0000FF"/>
+                </a:solidFill>
+                <a:ea typeface="宋体" panose="02010600030101010101" pitchFamily="2" charset="-122"/>
+              </a:rPr>
+              <a:t> = 10;</a:t>
+            </a:r>
+          </a:p>
+          <a:p>
+            <a:pPr marL="0" indent="0">
+              <a:buNone/>
+            </a:pPr>
+            <a:r>
+              <a:rPr lang="en-US" altLang="zh-CN" sz="1600" dirty="0" err="1">
+                <a:solidFill>
+                  <a:srgbClr val="0000FF"/>
+                </a:solidFill>
+                <a:ea typeface="宋体" panose="02010600030101010101" pitchFamily="2" charset="-122"/>
+              </a:rPr>
+              <a:t>int</a:t>
+            </a:r>
+            <a:r>
+              <a:rPr lang="en-US" altLang="zh-CN" sz="1600" dirty="0">
+                <a:solidFill>
+                  <a:srgbClr val="0000FF"/>
+                </a:solidFill>
+                <a:ea typeface="宋体" panose="02010600030101010101" pitchFamily="2" charset="-122"/>
+              </a:rPr>
+              <a:t> *a;</a:t>
+            </a:r>
+          </a:p>
+          <a:p>
+            <a:pPr marL="0" indent="0">
+              <a:buNone/>
+            </a:pPr>
+            <a:r>
+              <a:rPr lang="en-US" altLang="zh-CN" sz="1600" dirty="0">
+                <a:solidFill>
+                  <a:srgbClr val="0000FF"/>
+                </a:solidFill>
+                <a:ea typeface="宋体" panose="02010600030101010101" pitchFamily="2" charset="-122"/>
+              </a:rPr>
+              <a:t>a = new </a:t>
+            </a:r>
+            <a:r>
+              <a:rPr lang="en-US" altLang="zh-CN" sz="1600" dirty="0" err="1">
+                <a:solidFill>
+                  <a:srgbClr val="0000FF"/>
+                </a:solidFill>
+                <a:ea typeface="宋体" panose="02010600030101010101" pitchFamily="2" charset="-122"/>
+              </a:rPr>
+              <a:t>int</a:t>
+            </a:r>
+            <a:r>
+              <a:rPr lang="en-US" altLang="zh-CN" sz="1600" dirty="0">
+                <a:solidFill>
+                  <a:srgbClr val="0000FF"/>
+                </a:solidFill>
+                <a:ea typeface="宋体" panose="02010600030101010101" pitchFamily="2" charset="-122"/>
+              </a:rPr>
+              <a:t>[</a:t>
+            </a:r>
+            <a:r>
+              <a:rPr lang="en-US" altLang="zh-CN" sz="1600" dirty="0" err="1">
+                <a:solidFill>
+                  <a:srgbClr val="0000FF"/>
+                </a:solidFill>
+                <a:ea typeface="宋体" panose="02010600030101010101" pitchFamily="2" charset="-122"/>
+              </a:rPr>
+              <a:t>array_size</a:t>
+            </a:r>
+            <a:r>
+              <a:rPr lang="en-US" altLang="zh-CN" sz="1600" dirty="0">
+                <a:solidFill>
+                  <a:srgbClr val="0000FF"/>
+                </a:solidFill>
+                <a:ea typeface="宋体" panose="02010600030101010101" pitchFamily="2" charset="-122"/>
+              </a:rPr>
+              <a:t>];</a:t>
+            </a:r>
+          </a:p>
+          <a:p>
+            <a:pPr marL="0" indent="0">
+              <a:buNone/>
+            </a:pPr>
+            <a:r>
+              <a:rPr lang="en-US" altLang="zh-CN" sz="1600" dirty="0" err="1">
+                <a:solidFill>
+                  <a:srgbClr val="0000FF"/>
+                </a:solidFill>
+                <a:ea typeface="宋体" panose="02010600030101010101" pitchFamily="2" charset="-122"/>
+              </a:rPr>
+              <a:t>int</a:t>
+            </a:r>
+            <a:r>
+              <a:rPr lang="en-US" altLang="zh-CN" sz="1600" dirty="0">
+                <a:solidFill>
+                  <a:srgbClr val="0000FF"/>
+                </a:solidFill>
+                <a:ea typeface="宋体" panose="02010600030101010101" pitchFamily="2" charset="-122"/>
+              </a:rPr>
+              <a:t> </a:t>
+            </a:r>
+            <a:r>
+              <a:rPr lang="en-US" altLang="zh-CN" sz="1600" dirty="0" err="1">
+                <a:solidFill>
+                  <a:srgbClr val="0000FF"/>
+                </a:solidFill>
+                <a:ea typeface="宋体" panose="02010600030101010101" pitchFamily="2" charset="-122"/>
+              </a:rPr>
+              <a:t>i</a:t>
+            </a:r>
+            <a:r>
+              <a:rPr lang="en-US" altLang="zh-CN" sz="1600" dirty="0">
+                <a:solidFill>
+                  <a:srgbClr val="0000FF"/>
+                </a:solidFill>
+                <a:ea typeface="宋体" panose="02010600030101010101" pitchFamily="2" charset="-122"/>
+              </a:rPr>
+              <a:t>;</a:t>
+            </a:r>
+          </a:p>
+          <a:p>
+            <a:pPr marL="0" indent="0">
+              <a:buNone/>
+            </a:pPr>
+            <a:r>
+              <a:rPr lang="en-US" altLang="zh-CN" sz="1600" dirty="0">
+                <a:solidFill>
+                  <a:srgbClr val="0000FF"/>
+                </a:solidFill>
+                <a:ea typeface="宋体" panose="02010600030101010101" pitchFamily="2" charset="-122"/>
+              </a:rPr>
+              <a:t>for (</a:t>
+            </a:r>
+            <a:r>
+              <a:rPr lang="en-US" altLang="zh-CN" sz="1600" dirty="0" err="1">
+                <a:solidFill>
+                  <a:srgbClr val="0000FF"/>
+                </a:solidFill>
+                <a:ea typeface="宋体" panose="02010600030101010101" pitchFamily="2" charset="-122"/>
+              </a:rPr>
+              <a:t>i</a:t>
+            </a:r>
+            <a:r>
+              <a:rPr lang="en-US" altLang="zh-CN" sz="1600" dirty="0">
+                <a:solidFill>
+                  <a:srgbClr val="0000FF"/>
+                </a:solidFill>
+                <a:ea typeface="宋体" panose="02010600030101010101" pitchFamily="2" charset="-122"/>
+              </a:rPr>
+              <a:t> = 0; </a:t>
+            </a:r>
+            <a:r>
+              <a:rPr lang="en-US" altLang="zh-CN" sz="1600" dirty="0" err="1">
+                <a:solidFill>
+                  <a:srgbClr val="0000FF"/>
+                </a:solidFill>
+                <a:ea typeface="宋体" panose="02010600030101010101" pitchFamily="2" charset="-122"/>
+              </a:rPr>
+              <a:t>i</a:t>
+            </a:r>
+            <a:r>
+              <a:rPr lang="en-US" altLang="zh-CN" sz="1600" dirty="0">
+                <a:solidFill>
+                  <a:srgbClr val="0000FF"/>
+                </a:solidFill>
+                <a:ea typeface="宋体" panose="02010600030101010101" pitchFamily="2" charset="-122"/>
+              </a:rPr>
+              <a:t> &lt; </a:t>
+            </a:r>
+            <a:r>
+              <a:rPr lang="en-US" altLang="zh-CN" sz="1600" dirty="0" err="1">
+                <a:solidFill>
+                  <a:srgbClr val="0000FF"/>
+                </a:solidFill>
+                <a:ea typeface="宋体" panose="02010600030101010101" pitchFamily="2" charset="-122"/>
+              </a:rPr>
+              <a:t>array_size</a:t>
+            </a:r>
+            <a:r>
+              <a:rPr lang="en-US" altLang="zh-CN" sz="1600" dirty="0">
+                <a:solidFill>
+                  <a:srgbClr val="0000FF"/>
+                </a:solidFill>
+                <a:ea typeface="宋体" panose="02010600030101010101" pitchFamily="2" charset="-122"/>
+              </a:rPr>
+              <a:t>; </a:t>
+            </a:r>
+            <a:r>
+              <a:rPr lang="en-US" altLang="zh-CN" sz="1600" dirty="0" err="1">
+                <a:solidFill>
+                  <a:srgbClr val="0000FF"/>
+                </a:solidFill>
+                <a:ea typeface="宋体" panose="02010600030101010101" pitchFamily="2" charset="-122"/>
+              </a:rPr>
+              <a:t>i</a:t>
+            </a:r>
+            <a:r>
+              <a:rPr lang="en-US" altLang="zh-CN" sz="1600" dirty="0">
+                <a:solidFill>
+                  <a:srgbClr val="0000FF"/>
+                </a:solidFill>
+                <a:ea typeface="宋体" panose="02010600030101010101" pitchFamily="2" charset="-122"/>
+              </a:rPr>
+              <a:t>++)</a:t>
+            </a:r>
+          </a:p>
+          <a:p>
+            <a:pPr marL="0" indent="0">
+              <a:buNone/>
+            </a:pPr>
+            <a:r>
+              <a:rPr lang="en-US" altLang="zh-CN" sz="1600" dirty="0">
+                <a:solidFill>
+                  <a:srgbClr val="0000FF"/>
+                </a:solidFill>
+                <a:ea typeface="宋体" panose="02010600030101010101" pitchFamily="2" charset="-122"/>
+              </a:rPr>
+              <a:t>a[</a:t>
+            </a:r>
+            <a:r>
+              <a:rPr lang="en-US" altLang="zh-CN" sz="1600" dirty="0" err="1">
+                <a:solidFill>
+                  <a:srgbClr val="0000FF"/>
+                </a:solidFill>
+                <a:ea typeface="宋体" panose="02010600030101010101" pitchFamily="2" charset="-122"/>
+              </a:rPr>
+              <a:t>i</a:t>
+            </a:r>
+            <a:r>
+              <a:rPr lang="en-US" altLang="zh-CN" sz="1600" dirty="0">
+                <a:solidFill>
+                  <a:srgbClr val="0000FF"/>
+                </a:solidFill>
+                <a:ea typeface="宋体" panose="02010600030101010101" pitchFamily="2" charset="-122"/>
+              </a:rPr>
+              <a:t>] = </a:t>
+            </a:r>
+            <a:r>
+              <a:rPr lang="en-US" altLang="zh-CN" sz="1600" dirty="0" err="1">
+                <a:solidFill>
+                  <a:srgbClr val="0000FF"/>
+                </a:solidFill>
+                <a:ea typeface="宋体" panose="02010600030101010101" pitchFamily="2" charset="-122"/>
+              </a:rPr>
+              <a:t>i</a:t>
+            </a:r>
+            <a:r>
+              <a:rPr lang="en-US" altLang="zh-CN" sz="1600" dirty="0">
+                <a:solidFill>
+                  <a:srgbClr val="0000FF"/>
+                </a:solidFill>
+                <a:ea typeface="宋体" panose="02010600030101010101" pitchFamily="2" charset="-122"/>
+              </a:rPr>
+              <a:t>;</a:t>
+            </a:r>
+          </a:p>
+          <a:p>
+            <a:pPr marL="0" indent="0">
+              <a:buNone/>
+            </a:pPr>
+            <a:r>
+              <a:rPr lang="en-US" altLang="zh-CN" sz="1600" dirty="0">
+                <a:solidFill>
+                  <a:srgbClr val="0000FF"/>
+                </a:solidFill>
+                <a:ea typeface="宋体" panose="02010600030101010101" pitchFamily="2" charset="-122"/>
+              </a:rPr>
+              <a:t>while (*a &lt; 9)</a:t>
+            </a:r>
+          </a:p>
+          <a:p>
+            <a:pPr marL="0" indent="0">
+              <a:buNone/>
+            </a:pPr>
+            <a:r>
+              <a:rPr lang="en-US" altLang="zh-CN" sz="1600" dirty="0">
+                <a:solidFill>
+                  <a:srgbClr val="0000FF"/>
+                </a:solidFill>
+                <a:ea typeface="宋体" panose="02010600030101010101" pitchFamily="2" charset="-122"/>
+              </a:rPr>
+              <a:t>{</a:t>
+            </a:r>
+          </a:p>
+          <a:p>
+            <a:pPr marL="0" indent="0">
+              <a:buNone/>
+            </a:pPr>
+            <a:r>
+              <a:rPr lang="en-US" altLang="zh-CN" sz="1600" dirty="0">
+                <a:solidFill>
+                  <a:srgbClr val="0000FF"/>
+                </a:solidFill>
+                <a:ea typeface="宋体" panose="02010600030101010101" pitchFamily="2" charset="-122"/>
+              </a:rPr>
+              <a:t>	a</a:t>
+            </a:r>
+            <a:r>
+              <a:rPr lang="en-US" altLang="zh-CN" sz="1600" dirty="0">
+                <a:solidFill>
+                  <a:srgbClr val="0000FF"/>
+                </a:solidFill>
+                <a:ea typeface="宋体" panose="02010600030101010101" pitchFamily="2" charset="-122"/>
+              </a:rPr>
+              <a:t>++;</a:t>
+            </a:r>
+          </a:p>
+          <a:p>
+            <a:pPr marL="0" indent="0">
+              <a:buNone/>
+            </a:pPr>
+            <a:r>
+              <a:rPr lang="en-US" altLang="zh-CN" sz="1600" dirty="0">
+                <a:solidFill>
+                  <a:srgbClr val="0000FF"/>
+                </a:solidFill>
+                <a:ea typeface="宋体" panose="02010600030101010101" pitchFamily="2" charset="-122"/>
+              </a:rPr>
+              <a:t>	</a:t>
+            </a:r>
+            <a:r>
+              <a:rPr lang="en-US" altLang="zh-CN" sz="1600" dirty="0" err="1">
+                <a:solidFill>
+                  <a:srgbClr val="0000FF"/>
+                </a:solidFill>
+                <a:ea typeface="宋体" panose="02010600030101010101" pitchFamily="2" charset="-122"/>
+              </a:rPr>
+              <a:t>cout</a:t>
+            </a:r>
+            <a:r>
+              <a:rPr lang="en-US" altLang="zh-CN" sz="1600" dirty="0">
+                <a:solidFill>
+                  <a:srgbClr val="0000FF"/>
+                </a:solidFill>
+                <a:ea typeface="宋体" panose="02010600030101010101" pitchFamily="2" charset="-122"/>
+              </a:rPr>
+              <a:t> </a:t>
+            </a:r>
+            <a:r>
+              <a:rPr lang="en-US" altLang="zh-CN" sz="1600" dirty="0">
+                <a:solidFill>
+                  <a:srgbClr val="0000FF"/>
+                </a:solidFill>
+                <a:ea typeface="宋体" panose="02010600030101010101" pitchFamily="2" charset="-122"/>
+              </a:rPr>
+              <a:t>&lt;&lt; *a &lt;&lt; " ";</a:t>
+            </a:r>
+          </a:p>
+          <a:p>
+            <a:pPr marL="0" indent="0">
+              <a:buNone/>
+            </a:pPr>
+            <a:r>
+              <a:rPr lang="en-US" altLang="zh-CN" sz="1600" dirty="0">
+                <a:solidFill>
+                  <a:srgbClr val="0000FF"/>
+                </a:solidFill>
+                <a:ea typeface="宋体" panose="02010600030101010101" pitchFamily="2" charset="-122"/>
+              </a:rPr>
+              <a:t>}</a:t>
+            </a:r>
+            <a:endParaRPr lang="en-US" altLang="zh-CN" sz="1600" dirty="0">
+              <a:solidFill>
+                <a:srgbClr val="0000FF"/>
+              </a:solidFill>
+              <a:ea typeface="宋体" panose="02010600030101010101" pitchFamily="2" charset="-122"/>
+            </a:endParaRPr>
+          </a:p>
+          <a:p>
+            <a:pPr marL="0" indent="0">
+              <a:buNone/>
+            </a:pPr>
+            <a:r>
+              <a:rPr lang="en-US" altLang="zh-CN" sz="1600" dirty="0" err="1">
+                <a:solidFill>
+                  <a:srgbClr val="0000FF"/>
+                </a:solidFill>
+                <a:ea typeface="宋体" panose="02010600030101010101" pitchFamily="2" charset="-122"/>
+              </a:rPr>
+              <a:t>cout</a:t>
+            </a:r>
+            <a:r>
+              <a:rPr lang="en-US" altLang="zh-CN" sz="1600" dirty="0">
+                <a:solidFill>
+                  <a:srgbClr val="0000FF"/>
+                </a:solidFill>
+                <a:ea typeface="宋体" panose="02010600030101010101" pitchFamily="2" charset="-122"/>
+              </a:rPr>
+              <a:t> &lt;&lt; </a:t>
+            </a:r>
+            <a:r>
+              <a:rPr lang="en-US" altLang="zh-CN" sz="1600" dirty="0" err="1">
+                <a:solidFill>
+                  <a:srgbClr val="0000FF"/>
+                </a:solidFill>
+                <a:ea typeface="宋体" panose="02010600030101010101" pitchFamily="2" charset="-122"/>
+              </a:rPr>
+              <a:t>endl</a:t>
+            </a:r>
+            <a:r>
+              <a:rPr lang="en-US" altLang="zh-CN" sz="1600" dirty="0">
+                <a:solidFill>
+                  <a:srgbClr val="0000FF"/>
+                </a:solidFill>
+                <a:ea typeface="宋体" panose="02010600030101010101" pitchFamily="2" charset="-122"/>
+              </a:rPr>
+              <a:t>;</a:t>
+            </a:r>
+            <a:endParaRPr lang="zh-CN" altLang="en-US" sz="1600" dirty="0">
+              <a:solidFill>
+                <a:srgbClr val="0000FF"/>
+              </a:solidFill>
+              <a:ea typeface="宋体" panose="02010600030101010101" pitchFamily="2" charset="-122"/>
+            </a:endParaRPr>
+          </a:p>
+        </p:txBody>
+      </p:sp>
+    </p:spTree>
+    <p:extLst>
+      <p:ext uri="{BB962C8B-B14F-4D97-AF65-F5344CB8AC3E}">
+        <p14:creationId xmlns:p14="http://schemas.microsoft.com/office/powerpoint/2010/main" val="3368326082"/>
+      </p:ext>
+    </p:extLst>
+  </p:cSld>
+  <p:clrMapOvr>
+    <a:masterClrMapping/>
+  </p:clrMapOvr>
+  <p:transition spd="med"/>
+</p:sld>
+</file>
+
+<file path=ppt/slides/slide12.xml><?xml version="1.0" encoding="utf-8"?>
+<p:sld xmlns:a="http://schemas.openxmlformats.org/drawingml/2006/main" xmlns:r="http://schemas.openxmlformats.org/officeDocument/2006/relationships" xmlns:p="http://schemas.openxmlformats.org/presentationml/2006/main">
+  <p:cSld>
+    <p:spTree>
+      <p:nvGrpSpPr>
+        <p:cNvPr id="1" name=""/>
+        <p:cNvGrpSpPr/>
+        <p:nvPr/>
+      </p:nvGrpSpPr>
+      <p:grpSpPr>
+        <a:xfrm>
+          <a:off x="0" y="0"/>
+          <a:ext cx="0" cy="0"/>
+          <a:chOff x="0" y="0"/>
+          <a:chExt cx="0" cy="0"/>
+        </a:xfrm>
+      </p:grpSpPr>
+      <p:sp>
+        <p:nvSpPr>
+          <p:cNvPr id="2" name="标题 1"/>
+          <p:cNvSpPr>
+            <a:spLocks noGrp="1"/>
+          </p:cNvSpPr>
+          <p:nvPr>
+            <p:ph type="title"/>
+          </p:nvPr>
+        </p:nvSpPr>
+        <p:spPr/>
+        <p:txBody>
+          <a:bodyPr/>
+          <a:lstStyle/>
+          <a:p>
+            <a:r>
+              <a:rPr lang="en-US" altLang="zh-CN" dirty="0" smtClean="0"/>
+              <a:t>Test</a:t>
+            </a:r>
+            <a:endParaRPr lang="zh-CN" altLang="en-US" dirty="0"/>
+          </a:p>
+        </p:txBody>
+      </p:sp>
+      <p:sp>
+        <p:nvSpPr>
+          <p:cNvPr id="3" name="内容占位符 2"/>
+          <p:cNvSpPr>
+            <a:spLocks noGrp="1"/>
+          </p:cNvSpPr>
+          <p:nvPr>
+            <p:ph idx="1"/>
+          </p:nvPr>
+        </p:nvSpPr>
+        <p:spPr/>
+        <p:txBody>
+          <a:bodyPr/>
+          <a:lstStyle/>
+          <a:p>
+            <a:r>
+              <a:rPr lang="en-US" altLang="zh-CN" dirty="0"/>
+              <a:t>2. Do Programming Project 3 in Chapter 7. In this version of the </a:t>
+            </a:r>
+            <a:r>
+              <a:rPr lang="en-US" altLang="zh-CN" dirty="0" smtClean="0"/>
+              <a:t>problem return </a:t>
+            </a:r>
+            <a:r>
+              <a:rPr lang="en-US" altLang="zh-CN" dirty="0"/>
+              <a:t>a new dynamic array where all repeated letters are deleted instead </a:t>
+            </a:r>
+            <a:r>
+              <a:rPr lang="en-US" altLang="zh-CN" dirty="0" smtClean="0"/>
+              <a:t>of modifying </a:t>
+            </a:r>
+            <a:r>
+              <a:rPr lang="en-US" altLang="zh-CN" dirty="0"/>
+              <a:t>the partially filled array. Don’t forget to free the memory </a:t>
+            </a:r>
+            <a:r>
+              <a:rPr lang="en-US" altLang="zh-CN" dirty="0" smtClean="0"/>
+              <a:t>allocated for </a:t>
+            </a:r>
+            <a:r>
+              <a:rPr lang="en-US" altLang="zh-CN" dirty="0"/>
+              <a:t>these returned dynamic arrays when the data is no longer needed.</a:t>
+            </a:r>
+            <a:endParaRPr lang="zh-CN" altLang="en-US" dirty="0"/>
+          </a:p>
+        </p:txBody>
+      </p:sp>
+    </p:spTree>
+    <p:extLst>
+      <p:ext uri="{BB962C8B-B14F-4D97-AF65-F5344CB8AC3E}">
+        <p14:creationId xmlns:p14="http://schemas.microsoft.com/office/powerpoint/2010/main" val="1136228347"/>
+      </p:ext>
+    </p:extLst>
+  </p:cSld>
+  <p:clrMapOvr>
+    <a:masterClrMapping/>
+  </p:clrMapOvr>
+  <p:transition spd="med"/>
+</p:sld>
+</file>
+
 <file path=ppt/slides/slide2.xml><?xml version="1.0" encoding="utf-8"?>
 <p:sld xmlns:a="http://schemas.openxmlformats.org/drawingml/2006/main" xmlns:r="http://schemas.openxmlformats.org/officeDocument/2006/relationships" xmlns:p="http://schemas.openxmlformats.org/presentationml/2006/main">
   <p:cSld>
@@ -4296,7 +5583,12 @@
             <p:ph idx="1"/>
           </p:nvPr>
         </p:nvSpPr>
-        <p:spPr/>
+        <p:spPr>
+          <a:xfrm>
+            <a:off x="822734" y="1623646"/>
+            <a:ext cx="11059583" cy="4572000"/>
+          </a:xfrm>
+        </p:spPr>
         <p:txBody>
           <a:bodyPr/>
           <a:lstStyle/>
@@ -4520,6 +5812,1046 @@
     <p:extLst>
       <p:ext uri="{BB962C8B-B14F-4D97-AF65-F5344CB8AC3E}">
         <p14:creationId xmlns:p14="http://schemas.microsoft.com/office/powerpoint/2010/main" val="2452767335"/>
+      </p:ext>
+    </p:extLst>
+  </p:cSld>
+  <p:clrMapOvr>
+    <a:masterClrMapping/>
+  </p:clrMapOvr>
+  <p:transition spd="med"/>
+</p:sld>
+</file>
+
+<file path=ppt/slides/slide6.xml><?xml version="1.0" encoding="utf-8"?>
+<p:sld xmlns:a="http://schemas.openxmlformats.org/drawingml/2006/main" xmlns:r="http://schemas.openxmlformats.org/officeDocument/2006/relationships" xmlns:p="http://schemas.openxmlformats.org/presentationml/2006/main">
+  <p:cSld>
+    <p:spTree>
+      <p:nvGrpSpPr>
+        <p:cNvPr id="1" name=""/>
+        <p:cNvGrpSpPr/>
+        <p:nvPr/>
+      </p:nvGrpSpPr>
+      <p:grpSpPr>
+        <a:xfrm>
+          <a:off x="0" y="0"/>
+          <a:ext cx="0" cy="0"/>
+          <a:chOff x="0" y="0"/>
+          <a:chExt cx="0" cy="0"/>
+        </a:xfrm>
+      </p:grpSpPr>
+      <p:sp>
+        <p:nvSpPr>
+          <p:cNvPr id="2" name="标题 1"/>
+          <p:cNvSpPr>
+            <a:spLocks noGrp="1"/>
+          </p:cNvSpPr>
+          <p:nvPr>
+            <p:ph type="title"/>
+          </p:nvPr>
+        </p:nvSpPr>
+        <p:spPr/>
+        <p:txBody>
+          <a:bodyPr/>
+          <a:lstStyle/>
+          <a:p>
+            <a:r>
+              <a:rPr lang="fr-FR" altLang="zh-CN" dirty="0"/>
+              <a:t>int *p1, *</a:t>
+            </a:r>
+            <a:r>
+              <a:rPr lang="fr-FR" altLang="zh-CN" dirty="0" smtClean="0"/>
+              <a:t>p2</a:t>
+            </a:r>
+            <a:endParaRPr lang="zh-CN" altLang="en-US" dirty="0"/>
+          </a:p>
+        </p:txBody>
+      </p:sp>
+      <p:pic>
+        <p:nvPicPr>
+          <p:cNvPr id="4" name="图片 3"/>
+          <p:cNvPicPr>
+            <a:picLocks noChangeAspect="1"/>
+          </p:cNvPicPr>
+          <p:nvPr/>
+        </p:nvPicPr>
+        <p:blipFill>
+          <a:blip r:embed="rId2">
+            <a:extLst>
+              <a:ext uri="{28A0092B-C50C-407E-A947-70E740481C1C}">
+                <a14:useLocalDpi xmlns:a14="http://schemas.microsoft.com/office/drawing/2010/main" val="0"/>
+              </a:ext>
+            </a:extLst>
+          </a:blip>
+          <a:stretch>
+            <a:fillRect/>
+          </a:stretch>
+        </p:blipFill>
+        <p:spPr>
+          <a:xfrm>
+            <a:off x="1090246" y="1933574"/>
+            <a:ext cx="9372600" cy="3982461"/>
+          </a:xfrm>
+          <a:prstGeom prst="rect">
+            <a:avLst/>
+          </a:prstGeom>
+        </p:spPr>
+      </p:pic>
+    </p:spTree>
+    <p:extLst>
+      <p:ext uri="{BB962C8B-B14F-4D97-AF65-F5344CB8AC3E}">
+        <p14:creationId xmlns:p14="http://schemas.microsoft.com/office/powerpoint/2010/main" val="4138706378"/>
+      </p:ext>
+    </p:extLst>
+  </p:cSld>
+  <p:clrMapOvr>
+    <a:masterClrMapping/>
+  </p:clrMapOvr>
+  <p:transition spd="med"/>
+</p:sld>
+</file>
+
+<file path=ppt/slides/slide7.xml><?xml version="1.0" encoding="utf-8"?>
+<p:sld xmlns:a="http://schemas.openxmlformats.org/drawingml/2006/main" xmlns:r="http://schemas.openxmlformats.org/officeDocument/2006/relationships" xmlns:p="http://schemas.openxmlformats.org/presentationml/2006/main">
+  <p:cSld>
+    <p:spTree>
+      <p:nvGrpSpPr>
+        <p:cNvPr id="1" name=""/>
+        <p:cNvGrpSpPr/>
+        <p:nvPr/>
+      </p:nvGrpSpPr>
+      <p:grpSpPr>
+        <a:xfrm>
+          <a:off x="0" y="0"/>
+          <a:ext cx="0" cy="0"/>
+          <a:chOff x="0" y="0"/>
+          <a:chExt cx="0" cy="0"/>
+        </a:xfrm>
+      </p:grpSpPr>
+      <p:sp>
+        <p:nvSpPr>
+          <p:cNvPr id="2" name="标题 1"/>
+          <p:cNvSpPr>
+            <a:spLocks noGrp="1"/>
+          </p:cNvSpPr>
+          <p:nvPr>
+            <p:ph type="title"/>
+          </p:nvPr>
+        </p:nvSpPr>
+        <p:spPr/>
+        <p:txBody>
+          <a:bodyPr/>
+          <a:lstStyle/>
+          <a:p>
+            <a:r>
+              <a:rPr lang="en-US" altLang="zh-CN" b="1" dirty="0"/>
+              <a:t>The </a:t>
+            </a:r>
+            <a:r>
+              <a:rPr lang="en-US" altLang="zh-CN" sz="4000" dirty="0">
+                <a:solidFill>
+                  <a:srgbClr val="0000FF"/>
+                </a:solidFill>
+                <a:latin typeface="+mn-lt"/>
+                <a:ea typeface="宋体" panose="02010600030101010101" pitchFamily="2" charset="-122"/>
+                <a:cs typeface="+mn-cs"/>
+              </a:rPr>
+              <a:t>new</a:t>
+            </a:r>
+            <a:r>
+              <a:rPr lang="en-US" altLang="zh-CN" b="1" dirty="0"/>
+              <a:t> Operator</a:t>
+            </a:r>
+            <a:endParaRPr lang="zh-CN" altLang="en-US" dirty="0"/>
+          </a:p>
+        </p:txBody>
+      </p:sp>
+      <p:sp>
+        <p:nvSpPr>
+          <p:cNvPr id="3" name="内容占位符 2"/>
+          <p:cNvSpPr>
+            <a:spLocks noGrp="1"/>
+          </p:cNvSpPr>
+          <p:nvPr>
+            <p:ph idx="1"/>
+          </p:nvPr>
+        </p:nvSpPr>
+        <p:spPr/>
+        <p:txBody>
+          <a:bodyPr/>
+          <a:lstStyle/>
+          <a:p>
+            <a:r>
+              <a:rPr lang="en-US" altLang="zh-CN" sz="2000" dirty="0" smtClean="0"/>
+              <a:t>Usage:</a:t>
+            </a:r>
+          </a:p>
+          <a:p>
+            <a:pPr marL="0" indent="0">
+              <a:buNone/>
+            </a:pPr>
+            <a:r>
+              <a:rPr lang="en-US" altLang="zh-CN" sz="3200" dirty="0" err="1">
+                <a:solidFill>
+                  <a:srgbClr val="0000FF"/>
+                </a:solidFill>
+                <a:ea typeface="宋体" panose="02010600030101010101" pitchFamily="2" charset="-122"/>
+              </a:rPr>
+              <a:t>MyType</a:t>
+            </a:r>
+            <a:r>
+              <a:rPr lang="en-US" altLang="zh-CN" sz="3200" dirty="0">
+                <a:solidFill>
+                  <a:srgbClr val="0000FF"/>
+                </a:solidFill>
+                <a:ea typeface="宋体" panose="02010600030101010101" pitchFamily="2" charset="-122"/>
+              </a:rPr>
+              <a:t> </a:t>
+            </a:r>
+            <a:r>
+              <a:rPr lang="en-US" altLang="zh-CN" sz="3200" dirty="0">
+                <a:solidFill>
+                  <a:srgbClr val="0000FF"/>
+                </a:solidFill>
+                <a:ea typeface="宋体" panose="02010600030101010101" pitchFamily="2" charset="-122"/>
+              </a:rPr>
+              <a:t>*p;</a:t>
+            </a:r>
+          </a:p>
+          <a:p>
+            <a:pPr marL="0" indent="0">
+              <a:buNone/>
+            </a:pPr>
+            <a:r>
+              <a:rPr lang="en-US" altLang="zh-CN" sz="3200" dirty="0">
+                <a:solidFill>
+                  <a:srgbClr val="0000FF"/>
+                </a:solidFill>
+                <a:ea typeface="宋体" panose="02010600030101010101" pitchFamily="2" charset="-122"/>
+              </a:rPr>
+              <a:t>p = new </a:t>
+            </a:r>
+            <a:r>
+              <a:rPr lang="en-US" altLang="zh-CN" sz="3200" dirty="0" err="1">
+                <a:solidFill>
+                  <a:srgbClr val="0000FF"/>
+                </a:solidFill>
+                <a:ea typeface="宋体" panose="02010600030101010101" pitchFamily="2" charset="-122"/>
+              </a:rPr>
+              <a:t>MyType</a:t>
+            </a:r>
+            <a:r>
+              <a:rPr lang="en-US" altLang="zh-CN" sz="3200" dirty="0" smtClean="0">
+                <a:solidFill>
+                  <a:srgbClr val="0000FF"/>
+                </a:solidFill>
+                <a:ea typeface="宋体" panose="02010600030101010101" pitchFamily="2" charset="-122"/>
+              </a:rPr>
+              <a:t>;</a:t>
+            </a:r>
+          </a:p>
+          <a:p>
+            <a:r>
+              <a:rPr lang="en-US" altLang="zh-CN" sz="2000" dirty="0"/>
+              <a:t>Example:</a:t>
+            </a:r>
+            <a:endParaRPr lang="en-US" altLang="zh-CN" sz="2000" dirty="0"/>
+          </a:p>
+          <a:p>
+            <a:pPr marL="0" indent="0">
+              <a:buNone/>
+            </a:pPr>
+            <a:r>
+              <a:rPr lang="en-US" altLang="zh-CN" sz="3200" dirty="0" err="1">
+                <a:solidFill>
+                  <a:srgbClr val="0000FF"/>
+                </a:solidFill>
+                <a:ea typeface="宋体" panose="02010600030101010101" pitchFamily="2" charset="-122"/>
+              </a:rPr>
+              <a:t>int</a:t>
+            </a:r>
+            <a:r>
+              <a:rPr lang="en-US" altLang="zh-CN" sz="3200" dirty="0">
+                <a:solidFill>
+                  <a:srgbClr val="0000FF"/>
+                </a:solidFill>
+                <a:ea typeface="宋体" panose="02010600030101010101" pitchFamily="2" charset="-122"/>
+              </a:rPr>
+              <a:t> </a:t>
+            </a:r>
+            <a:r>
+              <a:rPr lang="en-US" altLang="zh-CN" sz="3200" dirty="0">
+                <a:solidFill>
+                  <a:srgbClr val="0000FF"/>
+                </a:solidFill>
+                <a:ea typeface="宋体" panose="02010600030101010101" pitchFamily="2" charset="-122"/>
+              </a:rPr>
+              <a:t>*n;</a:t>
+            </a:r>
+          </a:p>
+          <a:p>
+            <a:pPr marL="0" indent="0">
+              <a:buNone/>
+            </a:pPr>
+            <a:r>
+              <a:rPr lang="en-US" altLang="zh-CN" sz="3200" dirty="0">
+                <a:solidFill>
+                  <a:srgbClr val="0000FF"/>
+                </a:solidFill>
+                <a:ea typeface="宋体" panose="02010600030101010101" pitchFamily="2" charset="-122"/>
+              </a:rPr>
+              <a:t>n = new </a:t>
+            </a:r>
+            <a:r>
+              <a:rPr lang="en-US" altLang="zh-CN" sz="3200" dirty="0" err="1">
+                <a:solidFill>
+                  <a:srgbClr val="0000FF"/>
+                </a:solidFill>
+                <a:ea typeface="宋体" panose="02010600030101010101" pitchFamily="2" charset="-122"/>
+              </a:rPr>
+              <a:t>int</a:t>
+            </a:r>
+            <a:r>
+              <a:rPr lang="en-US" altLang="zh-CN" sz="3200" dirty="0">
+                <a:solidFill>
+                  <a:srgbClr val="0000FF"/>
+                </a:solidFill>
+                <a:ea typeface="宋体" panose="02010600030101010101" pitchFamily="2" charset="-122"/>
+              </a:rPr>
+              <a:t>(17); // initializes n to 17</a:t>
+            </a:r>
+          </a:p>
+          <a:p>
+            <a:pPr marL="0" indent="0">
+              <a:buNone/>
+            </a:pPr>
+            <a:r>
+              <a:rPr lang="en-US" altLang="zh-CN" sz="3200" dirty="0" err="1">
+                <a:solidFill>
+                  <a:srgbClr val="0000FF"/>
+                </a:solidFill>
+                <a:ea typeface="宋体" panose="02010600030101010101" pitchFamily="2" charset="-122"/>
+              </a:rPr>
+              <a:t>MyType</a:t>
+            </a:r>
+            <a:r>
+              <a:rPr lang="en-US" altLang="zh-CN" sz="3200" dirty="0">
+                <a:solidFill>
+                  <a:srgbClr val="0000FF"/>
+                </a:solidFill>
+                <a:ea typeface="宋体" panose="02010600030101010101" pitchFamily="2" charset="-122"/>
+              </a:rPr>
+              <a:t> *</a:t>
+            </a:r>
+            <a:r>
+              <a:rPr lang="en-US" altLang="zh-CN" sz="3200" dirty="0" err="1">
+                <a:solidFill>
+                  <a:srgbClr val="0000FF"/>
+                </a:solidFill>
+                <a:ea typeface="宋体" panose="02010600030101010101" pitchFamily="2" charset="-122"/>
+              </a:rPr>
+              <a:t>mtPtr</a:t>
+            </a:r>
+            <a:r>
+              <a:rPr lang="en-US" altLang="zh-CN" sz="3200" dirty="0">
+                <a:solidFill>
+                  <a:srgbClr val="0000FF"/>
+                </a:solidFill>
+                <a:ea typeface="宋体" panose="02010600030101010101" pitchFamily="2" charset="-122"/>
+              </a:rPr>
+              <a:t>;</a:t>
+            </a:r>
+          </a:p>
+          <a:p>
+            <a:pPr marL="0" indent="0">
+              <a:buNone/>
+            </a:pPr>
+            <a:r>
+              <a:rPr lang="en-US" altLang="zh-CN" sz="3200" dirty="0" err="1">
+                <a:solidFill>
+                  <a:srgbClr val="0000FF"/>
+                </a:solidFill>
+                <a:ea typeface="宋体" panose="02010600030101010101" pitchFamily="2" charset="-122"/>
+              </a:rPr>
+              <a:t>mtPtr</a:t>
+            </a:r>
+            <a:r>
+              <a:rPr lang="en-US" altLang="zh-CN" sz="3200" dirty="0">
+                <a:solidFill>
+                  <a:srgbClr val="0000FF"/>
+                </a:solidFill>
+                <a:ea typeface="宋体" panose="02010600030101010101" pitchFamily="2" charset="-122"/>
+              </a:rPr>
+              <a:t> = new </a:t>
+            </a:r>
+            <a:r>
+              <a:rPr lang="en-US" altLang="zh-CN" sz="3200" dirty="0" err="1">
+                <a:solidFill>
+                  <a:srgbClr val="0000FF"/>
+                </a:solidFill>
+                <a:ea typeface="宋体" panose="02010600030101010101" pitchFamily="2" charset="-122"/>
+              </a:rPr>
+              <a:t>MyType</a:t>
+            </a:r>
+            <a:r>
+              <a:rPr lang="en-US" altLang="zh-CN" sz="3200" dirty="0">
+                <a:solidFill>
+                  <a:srgbClr val="0000FF"/>
+                </a:solidFill>
+                <a:ea typeface="宋体" panose="02010600030101010101" pitchFamily="2" charset="-122"/>
+              </a:rPr>
+              <a:t>(32.0, 17); // calls </a:t>
+            </a:r>
+            <a:r>
+              <a:rPr lang="en-US" altLang="zh-CN" sz="3200" dirty="0" err="1">
+                <a:solidFill>
+                  <a:srgbClr val="0000FF"/>
+                </a:solidFill>
+                <a:ea typeface="宋体" panose="02010600030101010101" pitchFamily="2" charset="-122"/>
+              </a:rPr>
+              <a:t>MyType</a:t>
+            </a:r>
+            <a:r>
+              <a:rPr lang="en-US" altLang="zh-CN" sz="3200" dirty="0">
+                <a:solidFill>
+                  <a:srgbClr val="0000FF"/>
+                </a:solidFill>
+                <a:ea typeface="宋体" panose="02010600030101010101" pitchFamily="2" charset="-122"/>
+              </a:rPr>
+              <a:t>(double, </a:t>
+            </a:r>
+            <a:r>
+              <a:rPr lang="en-US" altLang="zh-CN" sz="3200" dirty="0" err="1">
+                <a:solidFill>
+                  <a:srgbClr val="0000FF"/>
+                </a:solidFill>
+                <a:ea typeface="宋体" panose="02010600030101010101" pitchFamily="2" charset="-122"/>
+              </a:rPr>
+              <a:t>int</a:t>
+            </a:r>
+            <a:r>
+              <a:rPr lang="en-US" altLang="zh-CN" sz="3200" dirty="0">
+                <a:solidFill>
+                  <a:srgbClr val="0000FF"/>
+                </a:solidFill>
+                <a:ea typeface="宋体" panose="02010600030101010101" pitchFamily="2" charset="-122"/>
+              </a:rPr>
+              <a:t>);</a:t>
+            </a:r>
+            <a:endParaRPr lang="zh-CN" altLang="en-US" sz="3200" dirty="0">
+              <a:solidFill>
+                <a:srgbClr val="0000FF"/>
+              </a:solidFill>
+              <a:ea typeface="宋体" panose="02010600030101010101" pitchFamily="2" charset="-122"/>
+            </a:endParaRPr>
+          </a:p>
+        </p:txBody>
+      </p:sp>
+    </p:spTree>
+    <p:extLst>
+      <p:ext uri="{BB962C8B-B14F-4D97-AF65-F5344CB8AC3E}">
+        <p14:creationId xmlns:p14="http://schemas.microsoft.com/office/powerpoint/2010/main" val="2243094269"/>
+      </p:ext>
+    </p:extLst>
+  </p:cSld>
+  <p:clrMapOvr>
+    <a:masterClrMapping/>
+  </p:clrMapOvr>
+  <p:transition spd="med"/>
+</p:sld>
+</file>
+
+<file path=ppt/slides/slide8.xml><?xml version="1.0" encoding="utf-8"?>
+<p:sld xmlns:a="http://schemas.openxmlformats.org/drawingml/2006/main" xmlns:r="http://schemas.openxmlformats.org/officeDocument/2006/relationships" xmlns:p="http://schemas.openxmlformats.org/presentationml/2006/main">
+  <p:cSld>
+    <p:spTree>
+      <p:nvGrpSpPr>
+        <p:cNvPr id="1" name=""/>
+        <p:cNvGrpSpPr/>
+        <p:nvPr/>
+      </p:nvGrpSpPr>
+      <p:grpSpPr>
+        <a:xfrm>
+          <a:off x="0" y="0"/>
+          <a:ext cx="0" cy="0"/>
+          <a:chOff x="0" y="0"/>
+          <a:chExt cx="0" cy="0"/>
+        </a:xfrm>
+      </p:grpSpPr>
+      <p:sp>
+        <p:nvSpPr>
+          <p:cNvPr id="2" name="标题 1"/>
+          <p:cNvSpPr>
+            <a:spLocks noGrp="1"/>
+          </p:cNvSpPr>
+          <p:nvPr>
+            <p:ph type="title"/>
+          </p:nvPr>
+        </p:nvSpPr>
+        <p:spPr/>
+        <p:txBody>
+          <a:bodyPr/>
+          <a:lstStyle/>
+          <a:p>
+            <a:r>
+              <a:rPr lang="en-US" altLang="zh-CN" b="1" dirty="0"/>
+              <a:t>EXERCISES</a:t>
+            </a:r>
+            <a:endParaRPr lang="zh-CN" altLang="en-US" dirty="0"/>
+          </a:p>
+        </p:txBody>
+      </p:sp>
+      <p:sp>
+        <p:nvSpPr>
+          <p:cNvPr id="3" name="内容占位符 2"/>
+          <p:cNvSpPr>
+            <a:spLocks noGrp="1"/>
+          </p:cNvSpPr>
+          <p:nvPr>
+            <p:ph idx="1"/>
+          </p:nvPr>
+        </p:nvSpPr>
+        <p:spPr/>
+        <p:txBody>
+          <a:bodyPr/>
+          <a:lstStyle/>
+          <a:p>
+            <a:r>
+              <a:rPr lang="en-US" altLang="zh-CN" sz="1100" dirty="0"/>
+              <a:t>4. What is the output produced by the following code?</a:t>
+            </a:r>
+          </a:p>
+          <a:p>
+            <a:pPr marL="0" indent="0">
+              <a:buNone/>
+            </a:pPr>
+            <a:r>
+              <a:rPr lang="en-US" altLang="zh-CN" sz="1800" dirty="0" err="1">
+                <a:solidFill>
+                  <a:srgbClr val="0000FF"/>
+                </a:solidFill>
+                <a:ea typeface="宋体" panose="02010600030101010101" pitchFamily="2" charset="-122"/>
+              </a:rPr>
+              <a:t>int</a:t>
+            </a:r>
+            <a:r>
+              <a:rPr lang="en-US" altLang="zh-CN" sz="1800" dirty="0">
+                <a:solidFill>
+                  <a:srgbClr val="0000FF"/>
+                </a:solidFill>
+                <a:ea typeface="宋体" panose="02010600030101010101" pitchFamily="2" charset="-122"/>
+              </a:rPr>
+              <a:t> *p1, *p2;</a:t>
+            </a:r>
+          </a:p>
+          <a:p>
+            <a:pPr marL="0" indent="0">
+              <a:buNone/>
+            </a:pPr>
+            <a:r>
+              <a:rPr lang="en-US" altLang="zh-CN" sz="1800" dirty="0">
+                <a:solidFill>
+                  <a:srgbClr val="0000FF"/>
+                </a:solidFill>
+                <a:ea typeface="宋体" panose="02010600030101010101" pitchFamily="2" charset="-122"/>
+              </a:rPr>
+              <a:t>p1 = new </a:t>
+            </a:r>
+            <a:r>
+              <a:rPr lang="en-US" altLang="zh-CN" sz="1800" dirty="0" err="1">
+                <a:solidFill>
+                  <a:srgbClr val="0000FF"/>
+                </a:solidFill>
+                <a:ea typeface="宋体" panose="02010600030101010101" pitchFamily="2" charset="-122"/>
+              </a:rPr>
+              <a:t>int</a:t>
+            </a:r>
+            <a:r>
+              <a:rPr lang="en-US" altLang="zh-CN" sz="1800" dirty="0">
+                <a:solidFill>
+                  <a:srgbClr val="0000FF"/>
+                </a:solidFill>
+                <a:ea typeface="宋体" panose="02010600030101010101" pitchFamily="2" charset="-122"/>
+              </a:rPr>
+              <a:t>;</a:t>
+            </a:r>
+          </a:p>
+          <a:p>
+            <a:pPr marL="0" indent="0">
+              <a:buNone/>
+            </a:pPr>
+            <a:r>
+              <a:rPr lang="en-US" altLang="zh-CN" sz="1800" dirty="0">
+                <a:solidFill>
+                  <a:srgbClr val="0000FF"/>
+                </a:solidFill>
+                <a:ea typeface="宋体" panose="02010600030101010101" pitchFamily="2" charset="-122"/>
+              </a:rPr>
+              <a:t>p2 = new </a:t>
+            </a:r>
+            <a:r>
+              <a:rPr lang="en-US" altLang="zh-CN" sz="1800" dirty="0" err="1">
+                <a:solidFill>
+                  <a:srgbClr val="0000FF"/>
+                </a:solidFill>
+                <a:ea typeface="宋体" panose="02010600030101010101" pitchFamily="2" charset="-122"/>
+              </a:rPr>
+              <a:t>int</a:t>
+            </a:r>
+            <a:r>
+              <a:rPr lang="en-US" altLang="zh-CN" sz="1800" dirty="0">
+                <a:solidFill>
+                  <a:srgbClr val="0000FF"/>
+                </a:solidFill>
+                <a:ea typeface="宋体" panose="02010600030101010101" pitchFamily="2" charset="-122"/>
+              </a:rPr>
+              <a:t>;</a:t>
+            </a:r>
+          </a:p>
+          <a:p>
+            <a:pPr marL="0" indent="0">
+              <a:buNone/>
+            </a:pPr>
+            <a:r>
+              <a:rPr lang="en-US" altLang="zh-CN" sz="1800" dirty="0">
+                <a:solidFill>
+                  <a:srgbClr val="0000FF"/>
+                </a:solidFill>
+                <a:ea typeface="宋体" panose="02010600030101010101" pitchFamily="2" charset="-122"/>
+              </a:rPr>
+              <a:t>*p1 = 10;</a:t>
+            </a:r>
+          </a:p>
+          <a:p>
+            <a:pPr marL="0" indent="0">
+              <a:buNone/>
+            </a:pPr>
+            <a:r>
+              <a:rPr lang="en-US" altLang="zh-CN" sz="1800" dirty="0">
+                <a:solidFill>
+                  <a:srgbClr val="0000FF"/>
+                </a:solidFill>
+                <a:ea typeface="宋体" panose="02010600030101010101" pitchFamily="2" charset="-122"/>
+              </a:rPr>
+              <a:t>*p2 = 20;</a:t>
+            </a:r>
+          </a:p>
+          <a:p>
+            <a:pPr marL="0" indent="0">
+              <a:buNone/>
+            </a:pPr>
+            <a:r>
+              <a:rPr lang="en-US" altLang="zh-CN" sz="1800" dirty="0" err="1">
+                <a:solidFill>
+                  <a:srgbClr val="0000FF"/>
+                </a:solidFill>
+                <a:ea typeface="宋体" panose="02010600030101010101" pitchFamily="2" charset="-122"/>
+              </a:rPr>
+              <a:t>cout</a:t>
+            </a:r>
+            <a:r>
+              <a:rPr lang="en-US" altLang="zh-CN" sz="1800" dirty="0">
+                <a:solidFill>
+                  <a:srgbClr val="0000FF"/>
+                </a:solidFill>
+                <a:ea typeface="宋体" panose="02010600030101010101" pitchFamily="2" charset="-122"/>
+              </a:rPr>
+              <a:t> &lt;&lt; *p1 &lt;&lt; " " &lt;&lt; *p2 &lt;&lt; </a:t>
+            </a:r>
+            <a:r>
+              <a:rPr lang="en-US" altLang="zh-CN" sz="1800" dirty="0" err="1">
+                <a:solidFill>
+                  <a:srgbClr val="0000FF"/>
+                </a:solidFill>
+                <a:ea typeface="宋体" panose="02010600030101010101" pitchFamily="2" charset="-122"/>
+              </a:rPr>
+              <a:t>endl</a:t>
+            </a:r>
+            <a:r>
+              <a:rPr lang="en-US" altLang="zh-CN" sz="1800" dirty="0">
+                <a:solidFill>
+                  <a:srgbClr val="0000FF"/>
+                </a:solidFill>
+                <a:ea typeface="宋体" panose="02010600030101010101" pitchFamily="2" charset="-122"/>
+              </a:rPr>
+              <a:t>;</a:t>
+            </a:r>
+          </a:p>
+          <a:p>
+            <a:pPr marL="0" indent="0">
+              <a:buNone/>
+            </a:pPr>
+            <a:r>
+              <a:rPr lang="en-US" altLang="zh-CN" sz="1800" dirty="0">
+                <a:solidFill>
+                  <a:srgbClr val="0000FF"/>
+                </a:solidFill>
+                <a:ea typeface="宋体" panose="02010600030101010101" pitchFamily="2" charset="-122"/>
+              </a:rPr>
+              <a:t>p1 = p2;</a:t>
+            </a:r>
+          </a:p>
+          <a:p>
+            <a:pPr marL="0" indent="0">
+              <a:buNone/>
+            </a:pPr>
+            <a:r>
+              <a:rPr lang="en-US" altLang="zh-CN" sz="1800" dirty="0" err="1">
+                <a:solidFill>
+                  <a:srgbClr val="0000FF"/>
+                </a:solidFill>
+                <a:ea typeface="宋体" panose="02010600030101010101" pitchFamily="2" charset="-122"/>
+              </a:rPr>
+              <a:t>cout</a:t>
+            </a:r>
+            <a:r>
+              <a:rPr lang="en-US" altLang="zh-CN" sz="1800" dirty="0">
+                <a:solidFill>
+                  <a:srgbClr val="0000FF"/>
+                </a:solidFill>
+                <a:ea typeface="宋体" panose="02010600030101010101" pitchFamily="2" charset="-122"/>
+              </a:rPr>
+              <a:t> &lt;&lt; *p1 &lt;&lt; " " &lt;&lt; *p2 &lt;&lt; </a:t>
+            </a:r>
+            <a:r>
+              <a:rPr lang="en-US" altLang="zh-CN" sz="1800" dirty="0" err="1">
+                <a:solidFill>
+                  <a:srgbClr val="0000FF"/>
+                </a:solidFill>
+                <a:ea typeface="宋体" panose="02010600030101010101" pitchFamily="2" charset="-122"/>
+              </a:rPr>
+              <a:t>endl</a:t>
+            </a:r>
+            <a:r>
+              <a:rPr lang="en-US" altLang="zh-CN" sz="1800" dirty="0">
+                <a:solidFill>
+                  <a:srgbClr val="0000FF"/>
+                </a:solidFill>
+                <a:ea typeface="宋体" panose="02010600030101010101" pitchFamily="2" charset="-122"/>
+              </a:rPr>
+              <a:t>;</a:t>
+            </a:r>
+          </a:p>
+          <a:p>
+            <a:pPr marL="0" indent="0">
+              <a:buNone/>
+            </a:pPr>
+            <a:r>
+              <a:rPr lang="en-US" altLang="zh-CN" sz="1800" dirty="0">
+                <a:solidFill>
+                  <a:srgbClr val="0000FF"/>
+                </a:solidFill>
+                <a:ea typeface="宋体" panose="02010600030101010101" pitchFamily="2" charset="-122"/>
+              </a:rPr>
+              <a:t>*p1 = 30;</a:t>
+            </a:r>
+          </a:p>
+          <a:p>
+            <a:pPr marL="0" indent="0">
+              <a:buNone/>
+            </a:pPr>
+            <a:r>
+              <a:rPr lang="en-US" altLang="zh-CN" sz="1800" dirty="0" err="1">
+                <a:solidFill>
+                  <a:srgbClr val="0000FF"/>
+                </a:solidFill>
+                <a:ea typeface="宋体" panose="02010600030101010101" pitchFamily="2" charset="-122"/>
+              </a:rPr>
+              <a:t>cout</a:t>
+            </a:r>
+            <a:r>
+              <a:rPr lang="en-US" altLang="zh-CN" sz="1800" dirty="0">
+                <a:solidFill>
+                  <a:srgbClr val="0000FF"/>
+                </a:solidFill>
+                <a:ea typeface="宋体" panose="02010600030101010101" pitchFamily="2" charset="-122"/>
+              </a:rPr>
+              <a:t> &lt;&lt; *p1 &lt;&lt; " " &lt;&lt; *p2 &lt;&lt; </a:t>
+            </a:r>
+            <a:r>
+              <a:rPr lang="en-US" altLang="zh-CN" sz="1800" dirty="0" err="1">
+                <a:solidFill>
+                  <a:srgbClr val="0000FF"/>
+                </a:solidFill>
+                <a:ea typeface="宋体" panose="02010600030101010101" pitchFamily="2" charset="-122"/>
+              </a:rPr>
+              <a:t>endl</a:t>
+            </a:r>
+            <a:r>
+              <a:rPr lang="en-US" altLang="zh-CN" sz="1800" dirty="0">
+                <a:solidFill>
+                  <a:srgbClr val="0000FF"/>
+                </a:solidFill>
+                <a:ea typeface="宋体" panose="02010600030101010101" pitchFamily="2" charset="-122"/>
+              </a:rPr>
+              <a:t>;</a:t>
+            </a:r>
+          </a:p>
+          <a:p>
+            <a:pPr marL="0" indent="0">
+              <a:buNone/>
+            </a:pPr>
+            <a:r>
+              <a:rPr lang="en-US" altLang="zh-CN" sz="1100" dirty="0"/>
+              <a:t>How would the output change if you were to replace</a:t>
+            </a:r>
+          </a:p>
+          <a:p>
+            <a:pPr marL="0" indent="0">
+              <a:buNone/>
+            </a:pPr>
+            <a:r>
+              <a:rPr lang="en-US" altLang="zh-CN" sz="1800" dirty="0">
+                <a:solidFill>
+                  <a:srgbClr val="0000FF"/>
+                </a:solidFill>
+                <a:ea typeface="宋体" panose="02010600030101010101" pitchFamily="2" charset="-122"/>
+              </a:rPr>
+              <a:t>*p1 = 30;</a:t>
+            </a:r>
+          </a:p>
+          <a:p>
+            <a:pPr marL="0" indent="0">
+              <a:buNone/>
+            </a:pPr>
+            <a:r>
+              <a:rPr lang="en-US" altLang="zh-CN" sz="1100" dirty="0"/>
+              <a:t>with the following?</a:t>
+            </a:r>
+          </a:p>
+          <a:p>
+            <a:pPr marL="0" indent="0">
+              <a:buNone/>
+            </a:pPr>
+            <a:r>
+              <a:rPr lang="en-US" altLang="zh-CN" sz="1800" dirty="0">
+                <a:solidFill>
+                  <a:srgbClr val="0000FF"/>
+                </a:solidFill>
+                <a:ea typeface="宋体" panose="02010600030101010101" pitchFamily="2" charset="-122"/>
+              </a:rPr>
+              <a:t>*p2 = 30;</a:t>
+            </a:r>
+            <a:endParaRPr lang="zh-CN" altLang="en-US" sz="1800" dirty="0">
+              <a:solidFill>
+                <a:srgbClr val="0000FF"/>
+              </a:solidFill>
+              <a:ea typeface="宋体" panose="02010600030101010101" pitchFamily="2" charset="-122"/>
+            </a:endParaRPr>
+          </a:p>
+        </p:txBody>
+      </p:sp>
+    </p:spTree>
+    <p:extLst>
+      <p:ext uri="{BB962C8B-B14F-4D97-AF65-F5344CB8AC3E}">
+        <p14:creationId xmlns:p14="http://schemas.microsoft.com/office/powerpoint/2010/main" val="1158560761"/>
+      </p:ext>
+    </p:extLst>
+  </p:cSld>
+  <p:clrMapOvr>
+    <a:masterClrMapping/>
+  </p:clrMapOvr>
+  <p:transition spd="med"/>
+</p:sld>
+</file>
+
+<file path=ppt/slides/slide9.xml><?xml version="1.0" encoding="utf-8"?>
+<p:sld xmlns:a="http://schemas.openxmlformats.org/drawingml/2006/main" xmlns:r="http://schemas.openxmlformats.org/officeDocument/2006/relationships" xmlns:p="http://schemas.openxmlformats.org/presentationml/2006/main">
+  <p:cSld>
+    <p:spTree>
+      <p:nvGrpSpPr>
+        <p:cNvPr id="1" name=""/>
+        <p:cNvGrpSpPr/>
+        <p:nvPr/>
+      </p:nvGrpSpPr>
+      <p:grpSpPr>
+        <a:xfrm>
+          <a:off x="0" y="0"/>
+          <a:ext cx="0" cy="0"/>
+          <a:chOff x="0" y="0"/>
+          <a:chExt cx="0" cy="0"/>
+        </a:xfrm>
+      </p:grpSpPr>
+      <p:sp>
+        <p:nvSpPr>
+          <p:cNvPr id="2" name="标题 1"/>
+          <p:cNvSpPr>
+            <a:spLocks noGrp="1"/>
+          </p:cNvSpPr>
+          <p:nvPr>
+            <p:ph type="title"/>
+          </p:nvPr>
+        </p:nvSpPr>
+        <p:spPr/>
+        <p:txBody>
+          <a:bodyPr/>
+          <a:lstStyle/>
+          <a:p>
+            <a:r>
+              <a:rPr lang="en-US" altLang="zh-CN" b="1" dirty="0"/>
+              <a:t>The </a:t>
+            </a:r>
+            <a:r>
+              <a:rPr lang="en-US" altLang="zh-CN" sz="4000" dirty="0">
+                <a:solidFill>
+                  <a:srgbClr val="0000FF"/>
+                </a:solidFill>
+                <a:latin typeface="+mn-lt"/>
+                <a:ea typeface="宋体" panose="02010600030101010101" pitchFamily="2" charset="-122"/>
+                <a:cs typeface="+mn-cs"/>
+              </a:rPr>
+              <a:t>delete</a:t>
+            </a:r>
+            <a:r>
+              <a:rPr lang="en-US" altLang="zh-CN" b="1" dirty="0"/>
+              <a:t> Operator</a:t>
+            </a:r>
+            <a:endParaRPr lang="zh-CN" altLang="en-US" dirty="0"/>
+          </a:p>
+        </p:txBody>
+      </p:sp>
+      <p:sp>
+        <p:nvSpPr>
+          <p:cNvPr id="3" name="内容占位符 2"/>
+          <p:cNvSpPr>
+            <a:spLocks noGrp="1"/>
+          </p:cNvSpPr>
+          <p:nvPr>
+            <p:ph idx="1"/>
+          </p:nvPr>
+        </p:nvSpPr>
+        <p:spPr/>
+        <p:txBody>
+          <a:bodyPr/>
+          <a:lstStyle/>
+          <a:p>
+            <a:pPr marL="0" indent="0">
+              <a:buNone/>
+            </a:pPr>
+            <a:r>
+              <a:rPr lang="en-US" altLang="zh-CN" sz="4400" dirty="0">
+                <a:solidFill>
+                  <a:srgbClr val="0000FF"/>
+                </a:solidFill>
+                <a:ea typeface="宋体" panose="02010600030101010101" pitchFamily="2" charset="-122"/>
+              </a:rPr>
+              <a:t>delete p</a:t>
+            </a:r>
+            <a:r>
+              <a:rPr lang="en-US" altLang="zh-CN" sz="4400" dirty="0" smtClean="0">
+                <a:solidFill>
+                  <a:srgbClr val="0000FF"/>
+                </a:solidFill>
+                <a:ea typeface="宋体" panose="02010600030101010101" pitchFamily="2" charset="-122"/>
+              </a:rPr>
+              <a:t>;</a:t>
+            </a:r>
+          </a:p>
+          <a:p>
+            <a:pPr marL="0" indent="0">
+              <a:buNone/>
+            </a:pPr>
+            <a:endParaRPr lang="en-US" altLang="zh-CN" sz="4400" dirty="0" smtClean="0">
+              <a:solidFill>
+                <a:srgbClr val="0000FF"/>
+              </a:solidFill>
+              <a:ea typeface="宋体" panose="02010600030101010101" pitchFamily="2" charset="-122"/>
+            </a:endParaRPr>
+          </a:p>
+          <a:p>
+            <a:pPr marL="0" indent="0">
+              <a:buNone/>
+            </a:pPr>
+            <a:r>
+              <a:rPr lang="en-US" altLang="zh-CN" sz="4400" dirty="0" smtClean="0">
+                <a:ea typeface="宋体" panose="02010600030101010101" pitchFamily="2" charset="-122"/>
+              </a:rPr>
+              <a:t>Pair operators </a:t>
+            </a:r>
+          </a:p>
+          <a:p>
+            <a:pPr marL="0" indent="0">
+              <a:buNone/>
+            </a:pPr>
+            <a:endParaRPr lang="en-US" altLang="zh-CN" sz="4400" dirty="0" smtClean="0">
+              <a:ea typeface="宋体" panose="02010600030101010101" pitchFamily="2" charset="-122"/>
+            </a:endParaRPr>
+          </a:p>
+          <a:p>
+            <a:pPr marL="0" indent="0">
+              <a:buNone/>
+            </a:pPr>
+            <a:r>
+              <a:rPr lang="en-US" altLang="zh-CN" sz="4400" dirty="0">
+                <a:solidFill>
+                  <a:srgbClr val="0000FF"/>
+                </a:solidFill>
+                <a:ea typeface="宋体" panose="02010600030101010101" pitchFamily="2" charset="-122"/>
+              </a:rPr>
+              <a:t>(</a:t>
+            </a:r>
+            <a:r>
+              <a:rPr lang="en-US" altLang="zh-CN" sz="4400" dirty="0" smtClean="0">
+                <a:solidFill>
+                  <a:srgbClr val="0000FF"/>
+                </a:solidFill>
+                <a:ea typeface="宋体" panose="02010600030101010101" pitchFamily="2" charset="-122"/>
+              </a:rPr>
+              <a:t>new, delete), </a:t>
+            </a:r>
+            <a:r>
+              <a:rPr lang="en-US" altLang="zh-CN" sz="4400" dirty="0">
+                <a:ea typeface="宋体" panose="02010600030101010101" pitchFamily="2" charset="-122"/>
+              </a:rPr>
+              <a:t>the variable can </a:t>
+            </a:r>
+            <a:r>
+              <a:rPr lang="en-US" altLang="zh-CN" sz="4400" dirty="0">
+                <a:solidFill>
+                  <a:srgbClr val="0000FF"/>
+                </a:solidFill>
+                <a:ea typeface="宋体" panose="02010600030101010101" pitchFamily="2" charset="-122"/>
+              </a:rPr>
+              <a:t>delete</a:t>
+            </a:r>
+            <a:r>
+              <a:rPr lang="en-US" altLang="zh-CN" sz="4400" dirty="0">
+                <a:ea typeface="宋体" panose="02010600030101010101" pitchFamily="2" charset="-122"/>
+              </a:rPr>
+              <a:t> only if </a:t>
+            </a:r>
+          </a:p>
+          <a:p>
+            <a:pPr marL="0" indent="0">
+              <a:buNone/>
+            </a:pPr>
+            <a:r>
+              <a:rPr lang="en-US" altLang="zh-CN" sz="4400" dirty="0">
+                <a:ea typeface="宋体" panose="02010600030101010101" pitchFamily="2" charset="-122"/>
+              </a:rPr>
+              <a:t>It come from </a:t>
+            </a:r>
+            <a:r>
+              <a:rPr lang="en-US" altLang="zh-CN" sz="4400" dirty="0" smtClean="0">
+                <a:solidFill>
+                  <a:srgbClr val="0000FF"/>
+                </a:solidFill>
+                <a:ea typeface="宋体" panose="02010600030101010101" pitchFamily="2" charset="-122"/>
+              </a:rPr>
+              <a:t>new.</a:t>
+            </a:r>
+            <a:endParaRPr lang="en-US" altLang="zh-CN" sz="4400" dirty="0">
+              <a:solidFill>
+                <a:srgbClr val="0000FF"/>
+              </a:solidFill>
+              <a:ea typeface="宋体" panose="02010600030101010101" pitchFamily="2" charset="-122"/>
+            </a:endParaRPr>
+          </a:p>
+        </p:txBody>
+      </p:sp>
+    </p:spTree>
+    <p:extLst>
+      <p:ext uri="{BB962C8B-B14F-4D97-AF65-F5344CB8AC3E}">
+        <p14:creationId xmlns:p14="http://schemas.microsoft.com/office/powerpoint/2010/main" val="2386032509"/>
       </p:ext>
     </p:extLst>
   </p:cSld>
@@ -5170,6 +7502,267 @@
 </a:theme>
 </file>
 
+<file path=ppt/theme/theme2.xml><?xml version="1.0" encoding="utf-8"?>
+<a:theme xmlns:a="http://schemas.openxmlformats.org/drawingml/2006/main" name="Office 主题​​">
+  <a:themeElements>
+    <a:clrScheme name="Office">
+      <a:dk1>
+        <a:sysClr val="windowText" lastClr="000000"/>
+      </a:dk1>
+      <a:lt1>
+        <a:sysClr val="window" lastClr="FFFFFF"/>
+      </a:lt1>
+      <a:dk2>
+        <a:srgbClr val="44546A"/>
+      </a:dk2>
+      <a:lt2>
+        <a:srgbClr val="E7E6E6"/>
+      </a:lt2>
+      <a:accent1>
+        <a:srgbClr val="5B9BD5"/>
+      </a:accent1>
+      <a:accent2>
+        <a:srgbClr val="ED7D31"/>
+      </a:accent2>
+      <a:accent3>
+        <a:srgbClr val="A5A5A5"/>
+      </a:accent3>
+      <a:accent4>
+        <a:srgbClr val="FFC000"/>
+      </a:accent4>
+      <a:accent5>
+        <a:srgbClr val="4472C4"/>
+      </a:accent5>
+      <a:accent6>
+        <a:srgbClr val="70AD47"/>
+      </a:accent6>
+      <a:hlink>
+        <a:srgbClr val="0563C1"/>
+      </a:hlink>
+      <a:folHlink>
+        <a:srgbClr val="954F72"/>
+      </a:folHlink>
+    </a:clrScheme>
+    <a:fontScheme name="Office">
+      <a:majorFont>
+        <a:latin typeface="等线 Light" panose="020F0302020204030204"/>
+        <a:ea typeface=""/>
+        <a:cs typeface=""/>
+        <a:font script="Jpan" typeface="游ゴシック Light"/>
+        <a:font script="Hang" typeface="맑은 고딕"/>
+        <a:font script="Hans" typeface="等线 Light"/>
+        <a:font script="Hant" typeface="新細明體"/>
+        <a:font script="Arab" typeface="Times New Roman"/>
+        <a:font script="Hebr" typeface="Times New Roman"/>
+        <a:font script="Thai" typeface="Angsana New"/>
+        <a:font script="Ethi" typeface="Nyala"/>
+        <a:font script="Beng" typeface="Vrinda"/>
+        <a:font script="Gujr" typeface="Shruti"/>
+        <a:font script="Khmr" typeface="MoolBoran"/>
+        <a:font script="Knda" typeface="Tunga"/>
+        <a:font script="Guru" typeface="Raavi"/>
+        <a:font script="Cans" typeface="Euphemia"/>
+        <a:font script="Cher" typeface="Plantagenet Cherokee"/>
+        <a:font script="Yiii" typeface="Microsoft Yi Baiti"/>
+        <a:font script="Tibt" typeface="Microsoft Himalaya"/>
+        <a:font script="Thaa" typeface="MV Boli"/>
+        <a:font script="Deva" typeface="Mangal"/>
+        <a:font script="Telu" typeface="Gautami"/>
+        <a:font script="Taml" typeface="Latha"/>
+        <a:font script="Syrc" typeface="Estrangelo Edessa"/>
+        <a:font script="Orya" typeface="Kalinga"/>
+        <a:font script="Mlym" typeface="Kartika"/>
+        <a:font script="Laoo" typeface="DokChampa"/>
+        <a:font script="Sinh" typeface="Iskoola Pota"/>
+        <a:font script="Mong" typeface="Mongolian Baiti"/>
+        <a:font script="Viet" typeface="Times New Roman"/>
+        <a:font script="Uigh" typeface="Microsoft Uighur"/>
+        <a:font script="Geor" typeface="Sylfaen"/>
+      </a:majorFont>
+      <a:minorFont>
+        <a:latin typeface="等线" panose="020F0502020204030204"/>
+        <a:ea typeface=""/>
+        <a:cs typeface=""/>
+        <a:font script="Jpan" typeface="游ゴシック"/>
+        <a:font script="Hang" typeface="맑은 고딕"/>
+        <a:font script="Hans" typeface="等线"/>
+        <a:font script="Hant" typeface="新細明體"/>
+        <a:font script="Arab" typeface="Arial"/>
+        <a:font script="Hebr" typeface="Arial"/>
+        <a:font script="Thai" typeface="Cordia New"/>
+        <a:font script="Ethi" typeface="Nyala"/>
+        <a:font script="Beng" typeface="Vrinda"/>
+        <a:font script="Gujr" typeface="Shruti"/>
+        <a:font script="Khmr" typeface="DaunPenh"/>
+        <a:font script="Knda" typeface="Tunga"/>
+        <a:font script="Guru" typeface="Raavi"/>
+        <a:font script="Cans" typeface="Euphemia"/>
+        <a:font script="Cher" typeface="Plantagenet Cherokee"/>
+        <a:font script="Yiii" typeface="Microsoft Yi Baiti"/>
+        <a:font script="Tibt" typeface="Microsoft Himalaya"/>
+        <a:font script="Thaa" typeface="MV Boli"/>
+        <a:font script="Deva" typeface="Mangal"/>
+        <a:font script="Telu" typeface="Gautami"/>
+        <a:font script="Taml" typeface="Latha"/>
+        <a:font script="Syrc" typeface="Estrangelo Edessa"/>
+        <a:font script="Orya" typeface="Kalinga"/>
+        <a:font script="Mlym" typeface="Kartika"/>
+        <a:font script="Laoo" typeface="DokChampa"/>
+        <a:font script="Sinh" typeface="Iskoola Pota"/>
+        <a:font script="Mong" typeface="Mongolian Baiti"/>
+        <a:font script="Viet" typeface="Arial"/>
+        <a:font script="Uigh" typeface="Microsoft Uighur"/>
+        <a:font script="Geor" typeface="Sylfaen"/>
+      </a:minorFont>
+    </a:fontScheme>
+    <a:fmtScheme name="Office">
+      <a:fillStyleLst>
+        <a:solidFill>
+          <a:schemeClr val="phClr"/>
+        </a:solidFill>
+        <a:gradFill rotWithShape="1">
+          <a:gsLst>
+            <a:gs pos="0">
+              <a:schemeClr val="phClr">
+                <a:lumMod val="110000"/>
+                <a:satMod val="105000"/>
+                <a:tint val="67000"/>
+              </a:schemeClr>
+            </a:gs>
+            <a:gs pos="50000">
+              <a:schemeClr val="phClr">
+                <a:lumMod val="105000"/>
+                <a:satMod val="103000"/>
+                <a:tint val="73000"/>
+              </a:schemeClr>
+            </a:gs>
+            <a:gs pos="100000">
+              <a:schemeClr val="phClr">
+                <a:lumMod val="105000"/>
+                <a:satMod val="109000"/>
+                <a:tint val="81000"/>
+              </a:schemeClr>
+            </a:gs>
+          </a:gsLst>
+          <a:lin ang="5400000" scaled="0"/>
+        </a:gradFill>
+        <a:gradFill rotWithShape="1">
+          <a:gsLst>
+            <a:gs pos="0">
+              <a:schemeClr val="phClr">
+                <a:satMod val="103000"/>
+                <a:lumMod val="102000"/>
+                <a:tint val="94000"/>
+              </a:schemeClr>
+            </a:gs>
+            <a:gs pos="50000">
+              <a:schemeClr val="phClr">
+                <a:satMod val="110000"/>
+                <a:lumMod val="100000"/>
+                <a:shade val="100000"/>
+              </a:schemeClr>
+            </a:gs>
+            <a:gs pos="100000">
+              <a:schemeClr val="phClr">
+                <a:lumMod val="99000"/>
+                <a:satMod val="120000"/>
+                <a:shade val="78000"/>
+              </a:schemeClr>
+            </a:gs>
+          </a:gsLst>
+          <a:lin ang="5400000" scaled="0"/>
+        </a:gradFill>
+      </a:fillStyleLst>
+      <a:lnStyleLst>
+        <a:ln w="6350" cap="flat" cmpd="sng" algn="ctr">
+          <a:solidFill>
+            <a:schemeClr val="phClr"/>
+          </a:solidFill>
+          <a:prstDash val="solid"/>
+          <a:miter lim="800000"/>
+        </a:ln>
+        <a:ln w="12700" cap="flat" cmpd="sng" algn="ctr">
+          <a:solidFill>
+            <a:schemeClr val="phClr"/>
+          </a:solidFill>
+          <a:prstDash val="solid"/>
+          <a:miter lim="800000"/>
+        </a:ln>
+        <a:ln w="19050" cap="flat" cmpd="sng" algn="ctr">
+          <a:solidFill>
+            <a:schemeClr val="phClr"/>
+          </a:solidFill>
+          <a:prstDash val="solid"/>
+          <a:miter lim="800000"/>
+        </a:ln>
+      </a:lnStyleLst>
+      <a:effectStyleLst>
+        <a:effectStyle>
+          <a:effectLst/>
+        </a:effectStyle>
+        <a:effectStyle>
+          <a:effectLst/>
+        </a:effectStyle>
+        <a:effectStyle>
+          <a:effectLst>
+            <a:outerShdw blurRad="57150" dist="19050" dir="5400000" algn="ctr" rotWithShape="0">
+              <a:srgbClr val="000000">
+                <a:alpha val="63000"/>
+              </a:srgbClr>
+            </a:outerShdw>
+          </a:effectLst>
+        </a:effectStyle>
+      </a:effectStyleLst>
+      <a:bgFillStyleLst>
+        <a:solidFill>
+          <a:schemeClr val="phClr"/>
+        </a:solidFill>
+        <a:solidFill>
+          <a:schemeClr val="phClr">
+            <a:tint val="95000"/>
+            <a:satMod val="170000"/>
+          </a:schemeClr>
+        </a:solidFill>
+        <a:gradFill rotWithShape="1">
+          <a:gsLst>
+            <a:gs pos="0">
+              <a:schemeClr val="phClr">
+                <a:tint val="93000"/>
+                <a:satMod val="150000"/>
+                <a:shade val="98000"/>
+                <a:lumMod val="102000"/>
+              </a:schemeClr>
+            </a:gs>
+            <a:gs pos="50000">
+              <a:schemeClr val="phClr">
+                <a:tint val="98000"/>
+                <a:satMod val="130000"/>
+                <a:shade val="90000"/>
+                <a:lumMod val="103000"/>
+              </a:schemeClr>
+            </a:gs>
+            <a:gs pos="100000">
+              <a:schemeClr val="phClr">
+                <a:shade val="63000"/>
+                <a:satMod val="120000"/>
+              </a:schemeClr>
+            </a:gs>
+          </a:gsLst>
+          <a:lin ang="5400000" scaled="0"/>
+        </a:gradFill>
+      </a:bgFillStyleLst>
+    </a:fmtScheme>
+  </a:themeElements>
+  <a:objectDefaults/>
+  <a:extraClrSchemeLst/>
+  <a:extLst>
+    <a:ext uri="{05A4C25C-085E-4340-85A3-A5531E510DB2}">
+      <thm15:themeFamily xmlns:thm15="http://schemas.microsoft.com/office/thememl/2012/main" name="Office Theme" id="{62F939B6-93AF-4DB8-9C6B-D6C7DFDC589F}" vid="{4A3C46E8-61CC-4603-A589-7422A47A8E4A}"/>
+    </a:ext>
+  </a:extLst>
+</a:theme>
+</file>
+
 <file path=ppt/theme/themeOverride1.xml><?xml version="1.0" encoding="utf-8"?>
 <a:themeOverride xmlns:a="http://schemas.openxmlformats.org/drawingml/2006/main">
   <a:clrScheme name="Blends 2">

--- a/ppt/chapter 9.pptx
+++ b/ppt/chapter 9.pptx
@@ -208,7 +208,7 @@
           <a:p>
             <a:fld id="{ED78F42D-A2E7-4645-A173-F2A6052EE8CC}" type="datetimeFigureOut">
               <a:rPr lang="zh-CN" altLang="en-US" smtClean="0"/>
-              <a:t>2018/5/14</a:t>
+              <a:t>2018/6/28</a:t>
             </a:fld>
             <a:endParaRPr lang="zh-CN" altLang="en-US"/>
           </a:p>
@@ -4348,16 +4348,7 @@
                 </a:solidFill>
                 <a:ea typeface="宋体" panose="02010600030101010101" pitchFamily="2" charset="-122"/>
               </a:rPr>
-              <a:t>* </a:t>
-            </a:r>
-            <a:r>
-              <a:rPr lang="en-US" altLang="zh-CN" sz="4800" dirty="0">
-                <a:solidFill>
-                  <a:srgbClr val="0000FF"/>
-                </a:solidFill>
-                <a:ea typeface="宋体" panose="02010600030101010101" pitchFamily="2" charset="-122"/>
-              </a:rPr>
-              <a:t>a = new </a:t>
+              <a:t>* a = new </a:t>
             </a:r>
             <a:r>
               <a:rPr lang="en-US" altLang="zh-CN" sz="4800" dirty="0" err="1">
@@ -4871,8 +4862,13 @@
                 </a:solidFill>
                 <a:ea typeface="宋体" panose="02010600030101010101" pitchFamily="2" charset="-122"/>
               </a:rPr>
-              <a:t>	a</a:t>
-            </a:r>
+              <a:t>	a++;</a:t>
+            </a:r>
+          </a:p>
+          <a:p>
+            <a:pPr marL="0" indent="0">
+              <a:buNone/>
+            </a:pPr>
             <a:r>
               <a:rPr lang="en-US" altLang="zh-CN" sz="1600" dirty="0">
                 <a:solidFill>
@@ -4880,7 +4876,25 @@
                 </a:solidFill>
                 <a:ea typeface="宋体" panose="02010600030101010101" pitchFamily="2" charset="-122"/>
               </a:rPr>
-              <a:t>++;</a:t>
+              <a:t>	</a:t>
+            </a:r>
+            <a:r>
+              <a:rPr lang="en-US" altLang="zh-CN" sz="1600" dirty="0" err="1">
+                <a:solidFill>
+                  <a:srgbClr val="0000FF"/>
+                </a:solidFill>
+                <a:ea typeface="宋体" panose="02010600030101010101" pitchFamily="2" charset="-122"/>
+              </a:rPr>
+              <a:t>cout</a:t>
+            </a:r>
+            <a:r>
+              <a:rPr lang="en-US" altLang="zh-CN" sz="1600" dirty="0">
+                <a:solidFill>
+                  <a:srgbClr val="0000FF"/>
+                </a:solidFill>
+                <a:ea typeface="宋体" panose="02010600030101010101" pitchFamily="2" charset="-122"/>
+              </a:rPr>
+              <a:t> &lt;&lt; *a &lt;&lt; " ";</a:t>
             </a:r>
           </a:p>
           <a:p>
@@ -4894,55 +4908,8 @@
                 </a:solidFill>
                 <a:ea typeface="宋体" panose="02010600030101010101" pitchFamily="2" charset="-122"/>
               </a:rPr>
-              <a:t>	</a:t>
-            </a:r>
-            <a:r>
-              <a:rPr lang="en-US" altLang="zh-CN" sz="1600" dirty="0" err="1">
-                <a:solidFill>
-                  <a:srgbClr val="0000FF"/>
-                </a:solidFill>
-                <a:ea typeface="宋体" panose="02010600030101010101" pitchFamily="2" charset="-122"/>
-              </a:rPr>
-              <a:t>cout</a:t>
-            </a:r>
-            <a:r>
-              <a:rPr lang="en-US" altLang="zh-CN" sz="1600" dirty="0">
-                <a:solidFill>
-                  <a:srgbClr val="0000FF"/>
-                </a:solidFill>
-                <a:ea typeface="宋体" panose="02010600030101010101" pitchFamily="2" charset="-122"/>
-              </a:rPr>
-              <a:t> </a:t>
-            </a:r>
-            <a:r>
-              <a:rPr lang="en-US" altLang="zh-CN" sz="1600" dirty="0">
-                <a:solidFill>
-                  <a:srgbClr val="0000FF"/>
-                </a:solidFill>
-                <a:ea typeface="宋体" panose="02010600030101010101" pitchFamily="2" charset="-122"/>
-              </a:rPr>
-              <a:t>&lt;&lt; *a &lt;&lt; " ";</a:t>
-            </a:r>
-          </a:p>
-          <a:p>
-            <a:pPr marL="0" indent="0">
-              <a:buNone/>
-            </a:pPr>
-            <a:r>
-              <a:rPr lang="en-US" altLang="zh-CN" sz="1600" dirty="0">
-                <a:solidFill>
-                  <a:srgbClr val="0000FF"/>
-                </a:solidFill>
-                <a:ea typeface="宋体" panose="02010600030101010101" pitchFamily="2" charset="-122"/>
-              </a:rPr>
               <a:t>}</a:t>
             </a:r>
-            <a:endParaRPr lang="en-US" altLang="zh-CN" sz="1600" dirty="0">
-              <a:solidFill>
-                <a:srgbClr val="0000FF"/>
-              </a:solidFill>
-              <a:ea typeface="宋体" panose="02010600030101010101" pitchFamily="2" charset="-122"/>
-            </a:endParaRPr>
           </a:p>
           <a:p>
             <a:pPr marL="0" indent="0">
@@ -6005,16 +5972,7 @@
                 </a:solidFill>
                 <a:ea typeface="宋体" panose="02010600030101010101" pitchFamily="2" charset="-122"/>
               </a:rPr>
-              <a:t> </a:t>
-            </a:r>
-            <a:r>
-              <a:rPr lang="en-US" altLang="zh-CN" sz="3200" dirty="0">
-                <a:solidFill>
-                  <a:srgbClr val="0000FF"/>
-                </a:solidFill>
-                <a:ea typeface="宋体" panose="02010600030101010101" pitchFamily="2" charset="-122"/>
-              </a:rPr>
-              <a:t>*p;</a:t>
+              <a:t> *p;</a:t>
             </a:r>
           </a:p>
           <a:p>
@@ -6054,7 +6012,6 @@
               <a:rPr lang="en-US" altLang="zh-CN" sz="2000" dirty="0"/>
               <a:t>Example:</a:t>
             </a:r>
-            <a:endParaRPr lang="en-US" altLang="zh-CN" sz="2000" dirty="0"/>
           </a:p>
           <a:p>
             <a:pPr marL="0" indent="0">
@@ -6076,16 +6033,7 @@
                 </a:solidFill>
                 <a:ea typeface="宋体" panose="02010600030101010101" pitchFamily="2" charset="-122"/>
               </a:rPr>
-              <a:t> </a:t>
-            </a:r>
-            <a:r>
-              <a:rPr lang="en-US" altLang="zh-CN" sz="3200" dirty="0">
-                <a:solidFill>
-                  <a:srgbClr val="0000FF"/>
-                </a:solidFill>
-                <a:ea typeface="宋体" panose="02010600030101010101" pitchFamily="2" charset="-122"/>
-              </a:rPr>
-              <a:t>*n;</a:t>
+              <a:t> *n;</a:t>
             </a:r>
           </a:p>
           <a:p>

--- a/ppt/chapter 9.pptx
+++ b/ppt/chapter 9.pptx
@@ -208,7 +208,7 @@
           <a:p>
             <a:fld id="{ED78F42D-A2E7-4645-A173-F2A6052EE8CC}" type="datetimeFigureOut">
               <a:rPr lang="zh-CN" altLang="en-US" smtClean="0"/>
-              <a:t>2018/6/28</a:t>
+              <a:t>2019/4/24</a:t>
             </a:fld>
             <a:endParaRPr lang="zh-CN" altLang="en-US"/>
           </a:p>
@@ -520,6 +520,90 @@
           <a:bodyPr/>
           <a:lstStyle/>
           <a:p>
+            <a:endParaRPr kumimoji="1" lang="zh-CN" altLang="en-US"/>
+          </a:p>
+        </p:txBody>
+      </p:sp>
+      <p:sp>
+        <p:nvSpPr>
+          <p:cNvPr id="4" name="幻灯片编号占位符 3"/>
+          <p:cNvSpPr>
+            <a:spLocks noGrp="1"/>
+          </p:cNvSpPr>
+          <p:nvPr>
+            <p:ph type="sldNum" sz="quarter" idx="10"/>
+          </p:nvPr>
+        </p:nvSpPr>
+        <p:spPr/>
+        <p:txBody>
+          <a:bodyPr/>
+          <a:lstStyle/>
+          <a:p>
+            <a:fld id="{EAF24EE6-5D7A-4B9A-805B-CA55EF3D5643}" type="slidenum">
+              <a:rPr lang="zh-CN" altLang="en-US" smtClean="0"/>
+              <a:t>1</a:t>
+            </a:fld>
+            <a:endParaRPr lang="zh-CN" altLang="en-US"/>
+          </a:p>
+        </p:txBody>
+      </p:sp>
+    </p:spTree>
+    <p:extLst>
+      <p:ext uri="{BB962C8B-B14F-4D97-AF65-F5344CB8AC3E}">
+        <p14:creationId xmlns:p14="http://schemas.microsoft.com/office/powerpoint/2010/main" val="2145169502"/>
+      </p:ext>
+    </p:extLst>
+  </p:cSld>
+  <p:clrMapOvr>
+    <a:masterClrMapping/>
+  </p:clrMapOvr>
+</p:notes>
+</file>
+
+<file path=ppt/notesSlides/notesSlide2.xml><?xml version="1.0" encoding="utf-8"?>
+<p:notes xmlns:a="http://schemas.openxmlformats.org/drawingml/2006/main" xmlns:r="http://schemas.openxmlformats.org/officeDocument/2006/relationships" xmlns:p="http://schemas.openxmlformats.org/presentationml/2006/main">
+  <p:cSld>
+    <p:spTree>
+      <p:nvGrpSpPr>
+        <p:cNvPr id="1" name=""/>
+        <p:cNvGrpSpPr/>
+        <p:nvPr/>
+      </p:nvGrpSpPr>
+      <p:grpSpPr>
+        <a:xfrm>
+          <a:off x="0" y="0"/>
+          <a:ext cx="0" cy="0"/>
+          <a:chOff x="0" y="0"/>
+          <a:chExt cx="0" cy="0"/>
+        </a:xfrm>
+      </p:grpSpPr>
+      <p:sp>
+        <p:nvSpPr>
+          <p:cNvPr id="2" name="幻灯片图像占位符 1"/>
+          <p:cNvSpPr>
+            <a:spLocks noGrp="1" noRot="1" noChangeAspect="1"/>
+          </p:cNvSpPr>
+          <p:nvPr>
+            <p:ph type="sldImg"/>
+          </p:nvPr>
+        </p:nvSpPr>
+        <p:spPr/>
+      </p:sp>
+      <p:sp>
+        <p:nvSpPr>
+          <p:cNvPr id="3" name="备注占位符 2"/>
+          <p:cNvSpPr>
+            <a:spLocks noGrp="1"/>
+          </p:cNvSpPr>
+          <p:nvPr>
+            <p:ph type="body" idx="1"/>
+          </p:nvPr>
+        </p:nvSpPr>
+        <p:spPr/>
+        <p:txBody>
+          <a:bodyPr/>
+          <a:lstStyle/>
+          <a:p>
             <a:endParaRPr lang="zh-CN" altLang="en-US" dirty="0"/>
           </a:p>
         </p:txBody>
@@ -3747,6 +3831,7 @@
     <p:sldLayoutId id="2147483719" r:id="rId11"/>
   </p:sldLayoutIdLst>
   <p:transition spd="med"/>
+  <p:hf hdr="0" ftr="0" dt="0"/>
   <p:txStyles>
     <p:titleStyle>
       <a:lvl1pPr algn="l" rtl="0" eaLnBrk="0" fontAlgn="base" hangingPunct="0">
@@ -4244,6 +4329,29 @@
           </a:p>
         </p:txBody>
       </p:sp>
+      <p:sp>
+        <p:nvSpPr>
+          <p:cNvPr id="2" name="幻灯片编号占位符 1"/>
+          <p:cNvSpPr>
+            <a:spLocks noGrp="1"/>
+          </p:cNvSpPr>
+          <p:nvPr>
+            <p:ph type="sldNum" sz="quarter" idx="10"/>
+          </p:nvPr>
+        </p:nvSpPr>
+        <p:spPr/>
+        <p:txBody>
+          <a:bodyPr/>
+          <a:lstStyle/>
+          <a:p>
+            <a:fld id="{BDE4FFA3-6EFB-4907-8C2A-C003238073B2}" type="slidenum">
+              <a:rPr lang="zh-CN" altLang="en-US" smtClean="0"/>
+              <a:t>1</a:t>
+            </a:fld>
+            <a:endParaRPr lang="zh-CN" altLang="en-US"/>
+          </a:p>
+        </p:txBody>
+      </p:sp>
     </p:spTree>
     <p:extLst>
       <p:ext uri="{BB962C8B-B14F-4D97-AF65-F5344CB8AC3E}">
@@ -4445,6 +4553,29 @@
           </a:p>
         </p:txBody>
       </p:sp>
+      <p:sp>
+        <p:nvSpPr>
+          <p:cNvPr id="4" name="幻灯片编号占位符 3"/>
+          <p:cNvSpPr>
+            <a:spLocks noGrp="1"/>
+          </p:cNvSpPr>
+          <p:nvPr>
+            <p:ph type="sldNum" sz="quarter" idx="10"/>
+          </p:nvPr>
+        </p:nvSpPr>
+        <p:spPr/>
+        <p:txBody>
+          <a:bodyPr/>
+          <a:lstStyle/>
+          <a:p>
+            <a:fld id="{BDE4FFA3-6EFB-4907-8C2A-C003238073B2}" type="slidenum">
+              <a:rPr lang="zh-CN" altLang="en-US" smtClean="0"/>
+              <a:t>10</a:t>
+            </a:fld>
+            <a:endParaRPr lang="zh-CN" altLang="en-US"/>
+          </a:p>
+        </p:txBody>
+      </p:sp>
     </p:spTree>
     <p:extLst>
       <p:ext uri="{BB962C8B-B14F-4D97-AF65-F5344CB8AC3E}">
@@ -4960,6 +5091,29 @@
           </a:p>
         </p:txBody>
       </p:sp>
+      <p:sp>
+        <p:nvSpPr>
+          <p:cNvPr id="4" name="幻灯片编号占位符 3"/>
+          <p:cNvSpPr>
+            <a:spLocks noGrp="1"/>
+          </p:cNvSpPr>
+          <p:nvPr>
+            <p:ph type="sldNum" sz="quarter" idx="10"/>
+          </p:nvPr>
+        </p:nvSpPr>
+        <p:spPr/>
+        <p:txBody>
+          <a:bodyPr/>
+          <a:lstStyle/>
+          <a:p>
+            <a:fld id="{BDE4FFA3-6EFB-4907-8C2A-C003238073B2}" type="slidenum">
+              <a:rPr lang="zh-CN" altLang="en-US" smtClean="0"/>
+              <a:t>11</a:t>
+            </a:fld>
+            <a:endParaRPr lang="zh-CN" altLang="en-US"/>
+          </a:p>
+        </p:txBody>
+      </p:sp>
     </p:spTree>
     <p:extLst>
       <p:ext uri="{BB962C8B-B14F-4D97-AF65-F5344CB8AC3E}">
@@ -5058,6 +5212,29 @@
               <a:t>these returned dynamic arrays when the data is no longer needed.</a:t>
             </a:r>
             <a:endParaRPr lang="zh-CN" altLang="en-US" dirty="0"/>
+          </a:p>
+        </p:txBody>
+      </p:sp>
+      <p:sp>
+        <p:nvSpPr>
+          <p:cNvPr id="4" name="幻灯片编号占位符 3"/>
+          <p:cNvSpPr>
+            <a:spLocks noGrp="1"/>
+          </p:cNvSpPr>
+          <p:nvPr>
+            <p:ph type="sldNum" sz="quarter" idx="10"/>
+          </p:nvPr>
+        </p:nvSpPr>
+        <p:spPr/>
+        <p:txBody>
+          <a:bodyPr/>
+          <a:lstStyle/>
+          <a:p>
+            <a:fld id="{BDE4FFA3-6EFB-4907-8C2A-C003238073B2}" type="slidenum">
+              <a:rPr lang="zh-CN" altLang="en-US" smtClean="0"/>
+              <a:t>12</a:t>
+            </a:fld>
+            <a:endParaRPr lang="zh-CN" altLang="en-US"/>
           </a:p>
         </p:txBody>
       </p:sp>
@@ -5486,6 +5663,29 @@
           </a:p>
         </p:txBody>
       </p:sp>
+      <p:sp>
+        <p:nvSpPr>
+          <p:cNvPr id="3" name="幻灯片编号占位符 2"/>
+          <p:cNvSpPr>
+            <a:spLocks noGrp="1"/>
+          </p:cNvSpPr>
+          <p:nvPr>
+            <p:ph type="sldNum" sz="quarter" idx="10"/>
+          </p:nvPr>
+        </p:nvSpPr>
+        <p:spPr/>
+        <p:txBody>
+          <a:bodyPr/>
+          <a:lstStyle/>
+          <a:p>
+            <a:fld id="{BDE4FFA3-6EFB-4907-8C2A-C003238073B2}" type="slidenum">
+              <a:rPr lang="zh-CN" altLang="en-US" smtClean="0"/>
+              <a:t>3</a:t>
+            </a:fld>
+            <a:endParaRPr lang="zh-CN" altLang="en-US"/>
+          </a:p>
+        </p:txBody>
+      </p:sp>
     </p:spTree>
     <p:extLst>
       <p:ext uri="{BB962C8B-B14F-4D97-AF65-F5344CB8AC3E}">
@@ -5697,6 +5897,29 @@
           </a:p>
         </p:txBody>
       </p:sp>
+      <p:sp>
+        <p:nvSpPr>
+          <p:cNvPr id="5" name="幻灯片编号占位符 4"/>
+          <p:cNvSpPr>
+            <a:spLocks noGrp="1"/>
+          </p:cNvSpPr>
+          <p:nvPr>
+            <p:ph type="sldNum" sz="quarter" idx="10"/>
+          </p:nvPr>
+        </p:nvSpPr>
+        <p:spPr/>
+        <p:txBody>
+          <a:bodyPr/>
+          <a:lstStyle/>
+          <a:p>
+            <a:fld id="{BDE4FFA3-6EFB-4907-8C2A-C003238073B2}" type="slidenum">
+              <a:rPr lang="zh-CN" altLang="en-US" smtClean="0"/>
+              <a:t>4</a:t>
+            </a:fld>
+            <a:endParaRPr lang="zh-CN" altLang="en-US"/>
+          </a:p>
+        </p:txBody>
+      </p:sp>
     </p:spTree>
     <p:extLst>
       <p:ext uri="{BB962C8B-B14F-4D97-AF65-F5344CB8AC3E}">
@@ -5775,6 +5998,29 @@
           </a:prstGeom>
         </p:spPr>
       </p:pic>
+      <p:sp>
+        <p:nvSpPr>
+          <p:cNvPr id="3" name="幻灯片编号占位符 2"/>
+          <p:cNvSpPr>
+            <a:spLocks noGrp="1"/>
+          </p:cNvSpPr>
+          <p:nvPr>
+            <p:ph type="sldNum" sz="quarter" idx="10"/>
+          </p:nvPr>
+        </p:nvSpPr>
+        <p:spPr/>
+        <p:txBody>
+          <a:bodyPr/>
+          <a:lstStyle/>
+          <a:p>
+            <a:fld id="{BDE4FFA3-6EFB-4907-8C2A-C003238073B2}" type="slidenum">
+              <a:rPr lang="zh-CN" altLang="en-US" smtClean="0"/>
+              <a:t>5</a:t>
+            </a:fld>
+            <a:endParaRPr lang="zh-CN" altLang="en-US"/>
+          </a:p>
+        </p:txBody>
+      </p:sp>
     </p:spTree>
     <p:extLst>
       <p:ext uri="{BB962C8B-B14F-4D97-AF65-F5344CB8AC3E}">
@@ -5863,6 +6109,29 @@
           </a:prstGeom>
         </p:spPr>
       </p:pic>
+      <p:sp>
+        <p:nvSpPr>
+          <p:cNvPr id="3" name="幻灯片编号占位符 2"/>
+          <p:cNvSpPr>
+            <a:spLocks noGrp="1"/>
+          </p:cNvSpPr>
+          <p:nvPr>
+            <p:ph type="sldNum" sz="quarter" idx="10"/>
+          </p:nvPr>
+        </p:nvSpPr>
+        <p:spPr/>
+        <p:txBody>
+          <a:bodyPr/>
+          <a:lstStyle/>
+          <a:p>
+            <a:fld id="{BDE4FFA3-6EFB-4907-8C2A-C003238073B2}" type="slidenum">
+              <a:rPr lang="zh-CN" altLang="en-US" smtClean="0"/>
+              <a:t>6</a:t>
+            </a:fld>
+            <a:endParaRPr lang="zh-CN" altLang="en-US"/>
+          </a:p>
+        </p:txBody>
+      </p:sp>
     </p:spTree>
     <p:extLst>
       <p:ext uri="{BB962C8B-B14F-4D97-AF65-F5344CB8AC3E}">
@@ -6194,6 +6463,29 @@
           </a:p>
         </p:txBody>
       </p:sp>
+      <p:sp>
+        <p:nvSpPr>
+          <p:cNvPr id="4" name="幻灯片编号占位符 3"/>
+          <p:cNvSpPr>
+            <a:spLocks noGrp="1"/>
+          </p:cNvSpPr>
+          <p:nvPr>
+            <p:ph type="sldNum" sz="quarter" idx="10"/>
+          </p:nvPr>
+        </p:nvSpPr>
+        <p:spPr/>
+        <p:txBody>
+          <a:bodyPr/>
+          <a:lstStyle/>
+          <a:p>
+            <a:fld id="{BDE4FFA3-6EFB-4907-8C2A-C003238073B2}" type="slidenum">
+              <a:rPr lang="zh-CN" altLang="en-US" smtClean="0"/>
+              <a:t>7</a:t>
+            </a:fld>
+            <a:endParaRPr lang="zh-CN" altLang="en-US"/>
+          </a:p>
+        </p:txBody>
+      </p:sp>
     </p:spTree>
     <p:extLst>
       <p:ext uri="{BB962C8B-B14F-4D97-AF65-F5344CB8AC3E}">
@@ -6588,6 +6880,29 @@
           </a:p>
         </p:txBody>
       </p:sp>
+      <p:sp>
+        <p:nvSpPr>
+          <p:cNvPr id="4" name="幻灯片编号占位符 3"/>
+          <p:cNvSpPr>
+            <a:spLocks noGrp="1"/>
+          </p:cNvSpPr>
+          <p:nvPr>
+            <p:ph type="sldNum" sz="quarter" idx="10"/>
+          </p:nvPr>
+        </p:nvSpPr>
+        <p:spPr/>
+        <p:txBody>
+          <a:bodyPr/>
+          <a:lstStyle/>
+          <a:p>
+            <a:fld id="{BDE4FFA3-6EFB-4907-8C2A-C003238073B2}" type="slidenum">
+              <a:rPr lang="zh-CN" altLang="en-US" smtClean="0"/>
+              <a:t>8</a:t>
+            </a:fld>
+            <a:endParaRPr lang="zh-CN" altLang="en-US"/>
+          </a:p>
+        </p:txBody>
+      </p:sp>
     </p:spTree>
     <p:extLst>
       <p:ext uri="{BB962C8B-B14F-4D97-AF65-F5344CB8AC3E}">
@@ -6793,6 +7108,29 @@
               </a:solidFill>
               <a:ea typeface="宋体" panose="02010600030101010101" pitchFamily="2" charset="-122"/>
             </a:endParaRPr>
+          </a:p>
+        </p:txBody>
+      </p:sp>
+      <p:sp>
+        <p:nvSpPr>
+          <p:cNvPr id="4" name="幻灯片编号占位符 3"/>
+          <p:cNvSpPr>
+            <a:spLocks noGrp="1"/>
+          </p:cNvSpPr>
+          <p:nvPr>
+            <p:ph type="sldNum" sz="quarter" idx="10"/>
+          </p:nvPr>
+        </p:nvSpPr>
+        <p:spPr/>
+        <p:txBody>
+          <a:bodyPr/>
+          <a:lstStyle/>
+          <a:p>
+            <a:fld id="{BDE4FFA3-6EFB-4907-8C2A-C003238073B2}" type="slidenum">
+              <a:rPr lang="zh-CN" altLang="en-US" smtClean="0"/>
+              <a:t>9</a:t>
+            </a:fld>
+            <a:endParaRPr lang="zh-CN" altLang="en-US"/>
           </a:p>
         </p:txBody>
       </p:sp>

--- a/ppt/chapter 9.pptx
+++ b/ppt/chapter 9.pptx
@@ -208,7 +208,7 @@
           <a:p>
             <a:fld id="{ED78F42D-A2E7-4645-A173-F2A6052EE8CC}" type="datetimeFigureOut">
               <a:rPr lang="zh-CN" altLang="en-US" smtClean="0"/>
-              <a:t>2019/4/24</a:t>
+              <a:t>2019/5/8</a:t>
             </a:fld>
             <a:endParaRPr lang="zh-CN" altLang="en-US"/>
           </a:p>
@@ -5185,7 +5185,15 @@
           <a:p>
             <a:r>
               <a:rPr lang="en-US" altLang="zh-CN" dirty="0"/>
-              <a:t>2. Do Programming Project 3 in Chapter 7. In this version of the </a:t>
+              <a:t>2. </a:t>
+            </a:r>
+            <a:r>
+              <a:rPr lang="en-US" altLang="zh-CN" dirty="0" smtClean="0"/>
+              <a:t>Redo </a:t>
+            </a:r>
+            <a:r>
+              <a:rPr lang="en-US" altLang="zh-CN" dirty="0"/>
+              <a:t>Programming Project 3 in Chapter 7. In this version of the </a:t>
             </a:r>
             <a:r>
               <a:rPr lang="en-US" altLang="zh-CN" dirty="0" smtClean="0"/>
